--- a/paper/绘图.pptx
+++ b/paper/绘图.pptx
@@ -6,6 +6,7 @@
   </p:sldMasterIdLst>
   <p:sldIdLst>
     <p:sldId id="256" r:id="rId2"/>
+    <p:sldId id="257" r:id="rId3"/>
   </p:sldIdLst>
   <p:sldSz cx="12192000" cy="6858000"/>
   <p:notesSz cx="6858000" cy="9144000"/>
@@ -104,7 +105,1021 @@
       </a:defRPr>
     </a:lvl9pPr>
   </p:defaultTextStyle>
+  <p:extLst>
+    <p:ext uri="{EFAFB233-063F-42B5-8137-9DF3F51BA10A}">
+      <p15:sldGuideLst xmlns:p15="http://schemas.microsoft.com/office/powerpoint/2012/main"/>
+    </p:ext>
+  </p:extLst>
 </p:presentation>
+</file>
+
+<file path=ppt/charts/chart1.xml><?xml version="1.0" encoding="utf-8"?>
+<c:chartSpace xmlns:c="http://schemas.openxmlformats.org/drawingml/2006/chart" xmlns:a="http://schemas.openxmlformats.org/drawingml/2006/main" xmlns:r="http://schemas.openxmlformats.org/officeDocument/2006/relationships" xmlns:c16r2="http://schemas.microsoft.com/office/drawing/2015/06/chart">
+  <c:date1904 val="0"/>
+  <c:lang val="zh-CN"/>
+  <c:roundedCorners val="0"/>
+  <mc:AlternateContent xmlns:mc="http://schemas.openxmlformats.org/markup-compatibility/2006">
+    <mc:Choice xmlns:c14="http://schemas.microsoft.com/office/drawing/2007/8/2/chart" Requires="c14">
+      <c14:style val="102"/>
+    </mc:Choice>
+    <mc:Fallback>
+      <c:style val="2"/>
+    </mc:Fallback>
+  </mc:AlternateContent>
+  <c:chart>
+    <c:title>
+      <c:tx>
+        <c:rich>
+          <a:bodyPr rot="0" spcFirstLastPara="1" vertOverflow="ellipsis" vert="horz" wrap="square" anchor="ctr" anchorCtr="1"/>
+          <a:lstStyle/>
+          <a:p>
+            <a:pPr>
+              <a:defRPr sz="1862" b="0" i="0" u="none" strike="noStrike" kern="1200" spc="0" baseline="0">
+                <a:solidFill>
+                  <a:schemeClr val="tx1">
+                    <a:lumMod val="65000"/>
+                    <a:lumOff val="35000"/>
+                  </a:schemeClr>
+                </a:solidFill>
+                <a:latin typeface="+mn-lt"/>
+                <a:ea typeface="+mn-ea"/>
+                <a:cs typeface="+mn-cs"/>
+              </a:defRPr>
+            </a:pPr>
+            <a:r>
+              <a:rPr lang="zh-CN" altLang="en-US" dirty="0"/>
+              <a:t>周期</a:t>
+            </a:r>
+          </a:p>
+        </c:rich>
+      </c:tx>
+      <c:overlay val="0"/>
+      <c:spPr>
+        <a:noFill/>
+        <a:ln>
+          <a:noFill/>
+        </a:ln>
+        <a:effectLst/>
+      </c:spPr>
+      <c:txPr>
+        <a:bodyPr rot="0" spcFirstLastPara="1" vertOverflow="ellipsis" vert="horz" wrap="square" anchor="ctr" anchorCtr="1"/>
+        <a:lstStyle/>
+        <a:p>
+          <a:pPr>
+            <a:defRPr sz="1862" b="0" i="0" u="none" strike="noStrike" kern="1200" spc="0" baseline="0">
+              <a:solidFill>
+                <a:schemeClr val="tx1">
+                  <a:lumMod val="65000"/>
+                  <a:lumOff val="35000"/>
+                </a:schemeClr>
+              </a:solidFill>
+              <a:latin typeface="+mn-lt"/>
+              <a:ea typeface="+mn-ea"/>
+              <a:cs typeface="+mn-cs"/>
+            </a:defRPr>
+          </a:pPr>
+          <a:endParaRPr lang="zh-CN"/>
+        </a:p>
+      </c:txPr>
+    </c:title>
+    <c:autoTitleDeleted val="0"/>
+    <c:plotArea>
+      <c:layout/>
+      <c:areaChart>
+        <c:grouping val="standard"/>
+        <c:varyColors val="0"/>
+        <c:ser>
+          <c:idx val="0"/>
+          <c:order val="0"/>
+          <c:tx>
+            <c:strRef>
+              <c:f>Sheet1!$B$1</c:f>
+              <c:strCache>
+                <c:ptCount val="1"/>
+                <c:pt idx="0">
+                  <c:v>  </c:v>
+                </c:pt>
+              </c:strCache>
+            </c:strRef>
+          </c:tx>
+          <c:spPr>
+            <a:solidFill>
+              <a:schemeClr val="accent1"/>
+            </a:solidFill>
+            <a:ln>
+              <a:noFill/>
+            </a:ln>
+            <a:effectLst/>
+          </c:spPr>
+          <c:cat>
+            <c:numRef>
+              <c:f>Sheet1!$A$2:$A$6</c:f>
+              <c:numCache>
+                <c:formatCode>m/d/yy</c:formatCode>
+                <c:ptCount val="5"/>
+                <c:pt idx="0">
+                  <c:v>37261</c:v>
+                </c:pt>
+                <c:pt idx="1">
+                  <c:v>37262</c:v>
+                </c:pt>
+                <c:pt idx="2">
+                  <c:v>37263</c:v>
+                </c:pt>
+                <c:pt idx="3">
+                  <c:v>37264</c:v>
+                </c:pt>
+                <c:pt idx="4">
+                  <c:v>37265</c:v>
+                </c:pt>
+              </c:numCache>
+            </c:numRef>
+          </c:cat>
+          <c:val>
+            <c:numRef>
+              <c:f>Sheet1!$B$2:$B$6</c:f>
+              <c:numCache>
+                <c:formatCode>General</c:formatCode>
+                <c:ptCount val="5"/>
+                <c:pt idx="0">
+                  <c:v>1</c:v>
+                </c:pt>
+                <c:pt idx="1">
+                  <c:v>10</c:v>
+                </c:pt>
+                <c:pt idx="2">
+                  <c:v>28</c:v>
+                </c:pt>
+                <c:pt idx="3">
+                  <c:v>12</c:v>
+                </c:pt>
+                <c:pt idx="4">
+                  <c:v>3</c:v>
+                </c:pt>
+              </c:numCache>
+            </c:numRef>
+          </c:val>
+          <c:extLst>
+            <c:ext xmlns:c16="http://schemas.microsoft.com/office/drawing/2014/chart" uri="{C3380CC4-5D6E-409C-BE32-E72D297353CC}">
+              <c16:uniqueId val="{00000000-A043-994B-B1E6-0ACAA62161E9}"/>
+            </c:ext>
+          </c:extLst>
+        </c:ser>
+        <c:ser>
+          <c:idx val="1"/>
+          <c:order val="1"/>
+          <c:tx>
+            <c:strRef>
+              <c:f>Sheet1!$C$1</c:f>
+              <c:strCache>
+                <c:ptCount val="1"/>
+                <c:pt idx="0">
+                  <c:v>   </c:v>
+                </c:pt>
+              </c:strCache>
+            </c:strRef>
+          </c:tx>
+          <c:spPr>
+            <a:solidFill>
+              <a:schemeClr val="accent2"/>
+            </a:solidFill>
+            <a:ln>
+              <a:noFill/>
+            </a:ln>
+            <a:effectLst/>
+          </c:spPr>
+          <c:cat>
+            <c:numRef>
+              <c:f>Sheet1!$A$2:$A$6</c:f>
+              <c:numCache>
+                <c:formatCode>m/d/yy</c:formatCode>
+                <c:ptCount val="5"/>
+                <c:pt idx="0">
+                  <c:v>37261</c:v>
+                </c:pt>
+                <c:pt idx="1">
+                  <c:v>37262</c:v>
+                </c:pt>
+                <c:pt idx="2">
+                  <c:v>37263</c:v>
+                </c:pt>
+                <c:pt idx="3">
+                  <c:v>37264</c:v>
+                </c:pt>
+                <c:pt idx="4">
+                  <c:v>37265</c:v>
+                </c:pt>
+              </c:numCache>
+            </c:numRef>
+          </c:cat>
+          <c:val>
+            <c:numRef>
+              <c:f>Sheet1!$C$2:$C$6</c:f>
+              <c:numCache>
+                <c:formatCode>General</c:formatCode>
+                <c:ptCount val="5"/>
+              </c:numCache>
+            </c:numRef>
+          </c:val>
+          <c:extLst>
+            <c:ext xmlns:c16="http://schemas.microsoft.com/office/drawing/2014/chart" uri="{C3380CC4-5D6E-409C-BE32-E72D297353CC}">
+              <c16:uniqueId val="{00000001-A043-994B-B1E6-0ACAA62161E9}"/>
+            </c:ext>
+          </c:extLst>
+        </c:ser>
+        <c:dLbls>
+          <c:showLegendKey val="0"/>
+          <c:showVal val="0"/>
+          <c:showCatName val="0"/>
+          <c:showSerName val="0"/>
+          <c:showPercent val="0"/>
+          <c:showBubbleSize val="0"/>
+        </c:dLbls>
+        <c:axId val="1891135808"/>
+        <c:axId val="1890641968"/>
+      </c:areaChart>
+      <c:dateAx>
+        <c:axId val="1891135808"/>
+        <c:scaling>
+          <c:orientation val="minMax"/>
+        </c:scaling>
+        <c:delete val="0"/>
+        <c:axPos val="b"/>
+        <c:numFmt formatCode="m/d/yy" sourceLinked="1"/>
+        <c:majorTickMark val="out"/>
+        <c:minorTickMark val="none"/>
+        <c:tickLblPos val="nextTo"/>
+        <c:spPr>
+          <a:noFill/>
+          <a:ln w="9525" cap="flat" cmpd="sng" algn="ctr">
+            <a:solidFill>
+              <a:schemeClr val="tx1">
+                <a:lumMod val="15000"/>
+                <a:lumOff val="85000"/>
+              </a:schemeClr>
+            </a:solidFill>
+            <a:round/>
+          </a:ln>
+          <a:effectLst/>
+        </c:spPr>
+        <c:txPr>
+          <a:bodyPr rot="-60000000" spcFirstLastPara="1" vertOverflow="ellipsis" vert="horz" wrap="square" anchor="ctr" anchorCtr="1"/>
+          <a:lstStyle/>
+          <a:p>
+            <a:pPr>
+              <a:defRPr sz="1197" b="0" i="0" u="none" strike="noStrike" kern="1200" baseline="0">
+                <a:solidFill>
+                  <a:schemeClr val="tx1">
+                    <a:lumMod val="65000"/>
+                    <a:lumOff val="35000"/>
+                  </a:schemeClr>
+                </a:solidFill>
+                <a:latin typeface="+mn-lt"/>
+                <a:ea typeface="+mn-ea"/>
+                <a:cs typeface="+mn-cs"/>
+              </a:defRPr>
+            </a:pPr>
+            <a:endParaRPr lang="zh-CN"/>
+          </a:p>
+        </c:txPr>
+        <c:crossAx val="1890641968"/>
+        <c:crosses val="autoZero"/>
+        <c:auto val="1"/>
+        <c:lblOffset val="100"/>
+        <c:baseTimeUnit val="days"/>
+      </c:dateAx>
+      <c:valAx>
+        <c:axId val="1890641968"/>
+        <c:scaling>
+          <c:orientation val="minMax"/>
+        </c:scaling>
+        <c:delete val="0"/>
+        <c:axPos val="l"/>
+        <c:majorGridlines>
+          <c:spPr>
+            <a:ln w="9525" cap="flat" cmpd="sng" algn="ctr">
+              <a:solidFill>
+                <a:schemeClr val="tx1">
+                  <a:lumMod val="15000"/>
+                  <a:lumOff val="85000"/>
+                </a:schemeClr>
+              </a:solidFill>
+              <a:round/>
+            </a:ln>
+            <a:effectLst/>
+          </c:spPr>
+        </c:majorGridlines>
+        <c:numFmt formatCode="General" sourceLinked="1"/>
+        <c:majorTickMark val="none"/>
+        <c:minorTickMark val="none"/>
+        <c:tickLblPos val="nextTo"/>
+        <c:spPr>
+          <a:noFill/>
+          <a:ln>
+            <a:noFill/>
+          </a:ln>
+          <a:effectLst/>
+        </c:spPr>
+        <c:txPr>
+          <a:bodyPr rot="-60000000" spcFirstLastPara="1" vertOverflow="ellipsis" vert="horz" wrap="square" anchor="ctr" anchorCtr="1"/>
+          <a:lstStyle/>
+          <a:p>
+            <a:pPr>
+              <a:defRPr sz="1197" b="0" i="0" u="none" strike="noStrike" kern="1200" baseline="0">
+                <a:solidFill>
+                  <a:schemeClr val="tx1">
+                    <a:lumMod val="65000"/>
+                    <a:lumOff val="35000"/>
+                  </a:schemeClr>
+                </a:solidFill>
+                <a:latin typeface="+mn-lt"/>
+                <a:ea typeface="+mn-ea"/>
+                <a:cs typeface="+mn-cs"/>
+              </a:defRPr>
+            </a:pPr>
+            <a:endParaRPr lang="zh-CN"/>
+          </a:p>
+        </c:txPr>
+        <c:crossAx val="1891135808"/>
+        <c:crosses val="autoZero"/>
+        <c:crossBetween val="midCat"/>
+      </c:valAx>
+      <c:spPr>
+        <a:noFill/>
+        <a:ln>
+          <a:noFill/>
+        </a:ln>
+        <a:effectLst/>
+      </c:spPr>
+    </c:plotArea>
+    <c:legend>
+      <c:legendPos val="b"/>
+      <c:overlay val="0"/>
+      <c:spPr>
+        <a:noFill/>
+        <a:ln>
+          <a:noFill/>
+        </a:ln>
+        <a:effectLst/>
+      </c:spPr>
+      <c:txPr>
+        <a:bodyPr rot="0" spcFirstLastPara="1" vertOverflow="ellipsis" vert="horz" wrap="square" anchor="ctr" anchorCtr="1"/>
+        <a:lstStyle/>
+        <a:p>
+          <a:pPr>
+            <a:defRPr sz="1197" b="0" i="0" u="none" strike="noStrike" kern="1200" baseline="0">
+              <a:solidFill>
+                <a:schemeClr val="tx1">
+                  <a:lumMod val="65000"/>
+                  <a:lumOff val="35000"/>
+                </a:schemeClr>
+              </a:solidFill>
+              <a:latin typeface="+mn-lt"/>
+              <a:ea typeface="+mn-ea"/>
+              <a:cs typeface="+mn-cs"/>
+            </a:defRPr>
+          </a:pPr>
+          <a:endParaRPr lang="zh-CN"/>
+        </a:p>
+      </c:txPr>
+    </c:legend>
+    <c:plotVisOnly val="1"/>
+    <c:dispBlanksAs val="zero"/>
+    <c:extLst>
+      <c:ext xmlns:c16r3="http://schemas.microsoft.com/office/drawing/2017/03/chart" uri="{56B9EC1D-385E-4148-901F-78D8002777C0}">
+        <c16r3:dataDisplayOptions16>
+          <c16r3:dispNaAsBlank val="1"/>
+        </c16r3:dataDisplayOptions16>
+      </c:ext>
+    </c:extLst>
+    <c:showDLblsOverMax val="0"/>
+  </c:chart>
+  <c:spPr>
+    <a:noFill/>
+    <a:ln>
+      <a:noFill/>
+    </a:ln>
+    <a:effectLst/>
+  </c:spPr>
+  <c:txPr>
+    <a:bodyPr/>
+    <a:lstStyle/>
+    <a:p>
+      <a:pPr>
+        <a:defRPr/>
+      </a:pPr>
+      <a:endParaRPr lang="zh-CN"/>
+    </a:p>
+  </c:txPr>
+  <c:externalData r:id="rId3">
+    <c:autoUpdate val="0"/>
+  </c:externalData>
+  <c:userShapes r:id="rId4"/>
+</c:chartSpace>
+</file>
+
+<file path=ppt/charts/colors1.xml><?xml version="1.0" encoding="utf-8"?>
+<cs:colorStyle xmlns:cs="http://schemas.microsoft.com/office/drawing/2012/chartStyle" xmlns:a="http://schemas.openxmlformats.org/drawingml/2006/main" meth="cycle" id="10">
+  <a:schemeClr val="accent1"/>
+  <a:schemeClr val="accent2"/>
+  <a:schemeClr val="accent3"/>
+  <a:schemeClr val="accent4"/>
+  <a:schemeClr val="accent5"/>
+  <a:schemeClr val="accent6"/>
+  <cs:variation/>
+  <cs:variation>
+    <a:lumMod val="60000"/>
+  </cs:variation>
+  <cs:variation>
+    <a:lumMod val="80000"/>
+    <a:lumOff val="20000"/>
+  </cs:variation>
+  <cs:variation>
+    <a:lumMod val="80000"/>
+  </cs:variation>
+  <cs:variation>
+    <a:lumMod val="60000"/>
+    <a:lumOff val="40000"/>
+  </cs:variation>
+  <cs:variation>
+    <a:lumMod val="50000"/>
+  </cs:variation>
+  <cs:variation>
+    <a:lumMod val="70000"/>
+    <a:lumOff val="30000"/>
+  </cs:variation>
+  <cs:variation>
+    <a:lumMod val="70000"/>
+  </cs:variation>
+  <cs:variation>
+    <a:lumMod val="50000"/>
+    <a:lumOff val="50000"/>
+  </cs:variation>
+</cs:colorStyle>
+</file>
+
+<file path=ppt/charts/style1.xml><?xml version="1.0" encoding="utf-8"?>
+<cs:chartStyle xmlns:cs="http://schemas.microsoft.com/office/drawing/2012/chartStyle" xmlns:a="http://schemas.openxmlformats.org/drawingml/2006/main" id="276">
+  <cs:axisTitle>
+    <cs:lnRef idx="0"/>
+    <cs:fillRef idx="0"/>
+    <cs:effectRef idx="0"/>
+    <cs:fontRef idx="minor">
+      <a:schemeClr val="tx1">
+        <a:lumMod val="65000"/>
+        <a:lumOff val="35000"/>
+      </a:schemeClr>
+    </cs:fontRef>
+    <cs:defRPr sz="1330" kern="1200"/>
+  </cs:axisTitle>
+  <cs:categoryAxis>
+    <cs:lnRef idx="0"/>
+    <cs:fillRef idx="0"/>
+    <cs:effectRef idx="0"/>
+    <cs:fontRef idx="minor">
+      <a:schemeClr val="tx1">
+        <a:lumMod val="65000"/>
+        <a:lumOff val="35000"/>
+      </a:schemeClr>
+    </cs:fontRef>
+    <cs:spPr>
+      <a:ln w="9525" cap="flat" cmpd="sng" algn="ctr">
+        <a:solidFill>
+          <a:schemeClr val="tx1">
+            <a:lumMod val="15000"/>
+            <a:lumOff val="85000"/>
+          </a:schemeClr>
+        </a:solidFill>
+        <a:round/>
+      </a:ln>
+    </cs:spPr>
+    <cs:defRPr sz="1197" kern="1200"/>
+  </cs:categoryAxis>
+  <cs:chartArea mods="allowNoFillOverride allowNoLineOverride">
+    <cs:lnRef idx="0"/>
+    <cs:fillRef idx="0"/>
+    <cs:effectRef idx="0"/>
+    <cs:fontRef idx="minor">
+      <a:schemeClr val="tx1"/>
+    </cs:fontRef>
+    <cs:spPr>
+      <a:solidFill>
+        <a:schemeClr val="bg1"/>
+      </a:solidFill>
+      <a:ln w="9525" cap="flat" cmpd="sng" algn="ctr">
+        <a:solidFill>
+          <a:schemeClr val="tx1">
+            <a:lumMod val="15000"/>
+            <a:lumOff val="85000"/>
+          </a:schemeClr>
+        </a:solidFill>
+        <a:round/>
+      </a:ln>
+    </cs:spPr>
+    <cs:defRPr sz="1330" kern="1200"/>
+  </cs:chartArea>
+  <cs:dataLabel>
+    <cs:lnRef idx="0"/>
+    <cs:fillRef idx="0"/>
+    <cs:effectRef idx="0"/>
+    <cs:fontRef idx="minor">
+      <a:schemeClr val="tx1">
+        <a:lumMod val="75000"/>
+        <a:lumOff val="25000"/>
+      </a:schemeClr>
+    </cs:fontRef>
+    <cs:defRPr sz="1197" kern="1200"/>
+  </cs:dataLabel>
+  <cs:dataLabelCallout>
+    <cs:lnRef idx="0"/>
+    <cs:fillRef idx="0"/>
+    <cs:effectRef idx="0"/>
+    <cs:fontRef idx="minor">
+      <a:schemeClr val="dk1">
+        <a:lumMod val="65000"/>
+        <a:lumOff val="35000"/>
+      </a:schemeClr>
+    </cs:fontRef>
+    <cs:spPr>
+      <a:solidFill>
+        <a:schemeClr val="lt1"/>
+      </a:solidFill>
+      <a:ln>
+        <a:solidFill>
+          <a:schemeClr val="dk1">
+            <a:lumMod val="25000"/>
+            <a:lumOff val="75000"/>
+          </a:schemeClr>
+        </a:solidFill>
+      </a:ln>
+    </cs:spPr>
+    <cs:defRPr sz="1197" kern="1200"/>
+    <cs:bodyPr rot="0" spcFirstLastPara="1" vertOverflow="clip" horzOverflow="clip" vert="horz" wrap="square" lIns="36576" tIns="18288" rIns="36576" bIns="18288" anchor="ctr" anchorCtr="1">
+      <a:spAutoFit/>
+    </cs:bodyPr>
+  </cs:dataLabelCallout>
+  <cs:dataPoint>
+    <cs:lnRef idx="0"/>
+    <cs:fillRef idx="1">
+      <cs:styleClr val="auto"/>
+    </cs:fillRef>
+    <cs:effectRef idx="0"/>
+    <cs:fontRef idx="minor">
+      <a:schemeClr val="tx1"/>
+    </cs:fontRef>
+  </cs:dataPoint>
+  <cs:dataPoint3D>
+    <cs:lnRef idx="0"/>
+    <cs:fillRef idx="1">
+      <cs:styleClr val="auto"/>
+    </cs:fillRef>
+    <cs:effectRef idx="0"/>
+    <cs:fontRef idx="minor">
+      <a:schemeClr val="tx1"/>
+    </cs:fontRef>
+  </cs:dataPoint3D>
+  <cs:dataPointLine>
+    <cs:lnRef idx="0">
+      <cs:styleClr val="auto"/>
+    </cs:lnRef>
+    <cs:fillRef idx="1"/>
+    <cs:effectRef idx="0"/>
+    <cs:fontRef idx="minor">
+      <a:schemeClr val="tx1"/>
+    </cs:fontRef>
+    <cs:spPr>
+      <a:ln w="28575" cap="rnd">
+        <a:solidFill>
+          <a:schemeClr val="phClr"/>
+        </a:solidFill>
+        <a:round/>
+      </a:ln>
+    </cs:spPr>
+  </cs:dataPointLine>
+  <cs:dataPointMarker>
+    <cs:lnRef idx="0">
+      <cs:styleClr val="auto"/>
+    </cs:lnRef>
+    <cs:fillRef idx="1">
+      <cs:styleClr val="auto"/>
+    </cs:fillRef>
+    <cs:effectRef idx="0"/>
+    <cs:fontRef idx="minor">
+      <a:schemeClr val="tx1"/>
+    </cs:fontRef>
+    <cs:spPr>
+      <a:ln w="9525">
+        <a:solidFill>
+          <a:schemeClr val="phClr"/>
+        </a:solidFill>
+      </a:ln>
+    </cs:spPr>
+  </cs:dataPointMarker>
+  <cs:dataPointMarkerLayout symbol="circle" size="5"/>
+  <cs:dataPointWireframe>
+    <cs:lnRef idx="0">
+      <cs:styleClr val="auto"/>
+    </cs:lnRef>
+    <cs:fillRef idx="1"/>
+    <cs:effectRef idx="0"/>
+    <cs:fontRef idx="minor">
+      <a:schemeClr val="tx1"/>
+    </cs:fontRef>
+    <cs:spPr>
+      <a:ln w="9525" cap="rnd">
+        <a:solidFill>
+          <a:schemeClr val="phClr"/>
+        </a:solidFill>
+        <a:round/>
+      </a:ln>
+    </cs:spPr>
+  </cs:dataPointWireframe>
+  <cs:dataTable>
+    <cs:lnRef idx="0"/>
+    <cs:fillRef idx="0"/>
+    <cs:effectRef idx="0"/>
+    <cs:fontRef idx="minor">
+      <a:schemeClr val="tx1">
+        <a:lumMod val="65000"/>
+        <a:lumOff val="35000"/>
+      </a:schemeClr>
+    </cs:fontRef>
+    <cs:spPr>
+      <a:noFill/>
+      <a:ln w="9525" cap="flat" cmpd="sng" algn="ctr">
+        <a:solidFill>
+          <a:schemeClr val="tx1">
+            <a:lumMod val="15000"/>
+            <a:lumOff val="85000"/>
+          </a:schemeClr>
+        </a:solidFill>
+        <a:round/>
+      </a:ln>
+    </cs:spPr>
+    <cs:defRPr sz="1197" kern="1200"/>
+  </cs:dataTable>
+  <cs:downBar>
+    <cs:lnRef idx="0"/>
+    <cs:fillRef idx="0"/>
+    <cs:effectRef idx="0"/>
+    <cs:fontRef idx="minor">
+      <a:schemeClr val="tx1"/>
+    </cs:fontRef>
+    <cs:spPr>
+      <a:solidFill>
+        <a:schemeClr val="dk1">
+          <a:lumMod val="75000"/>
+          <a:lumOff val="25000"/>
+        </a:schemeClr>
+      </a:solidFill>
+      <a:ln w="9525" cap="flat" cmpd="sng" algn="ctr">
+        <a:solidFill>
+          <a:schemeClr val="tx1">
+            <a:lumMod val="65000"/>
+            <a:lumOff val="35000"/>
+          </a:schemeClr>
+        </a:solidFill>
+        <a:round/>
+      </a:ln>
+    </cs:spPr>
+  </cs:downBar>
+  <cs:dropLine>
+    <cs:lnRef idx="0"/>
+    <cs:fillRef idx="0"/>
+    <cs:effectRef idx="0"/>
+    <cs:fontRef idx="minor">
+      <a:schemeClr val="tx1"/>
+    </cs:fontRef>
+    <cs:spPr>
+      <a:ln w="9525" cap="flat" cmpd="sng" algn="ctr">
+        <a:solidFill>
+          <a:schemeClr val="tx1">
+            <a:lumMod val="35000"/>
+            <a:lumOff val="65000"/>
+          </a:schemeClr>
+        </a:solidFill>
+        <a:round/>
+      </a:ln>
+    </cs:spPr>
+  </cs:dropLine>
+  <cs:errorBar>
+    <cs:lnRef idx="0"/>
+    <cs:fillRef idx="0"/>
+    <cs:effectRef idx="0"/>
+    <cs:fontRef idx="minor">
+      <a:schemeClr val="tx1"/>
+    </cs:fontRef>
+    <cs:spPr>
+      <a:ln w="9525" cap="flat" cmpd="sng" algn="ctr">
+        <a:solidFill>
+          <a:schemeClr val="tx1">
+            <a:lumMod val="65000"/>
+            <a:lumOff val="35000"/>
+          </a:schemeClr>
+        </a:solidFill>
+        <a:round/>
+      </a:ln>
+    </cs:spPr>
+  </cs:errorBar>
+  <cs:floor>
+    <cs:lnRef idx="0"/>
+    <cs:fillRef idx="0"/>
+    <cs:effectRef idx="0"/>
+    <cs:fontRef idx="minor">
+      <a:schemeClr val="tx1"/>
+    </cs:fontRef>
+    <cs:spPr>
+      <a:ln w="9525" cap="flat" cmpd="sng" algn="ctr">
+        <a:solidFill>
+          <a:schemeClr val="tx1">
+            <a:lumMod val="15000"/>
+            <a:lumOff val="85000"/>
+          </a:schemeClr>
+        </a:solidFill>
+        <a:round/>
+      </a:ln>
+    </cs:spPr>
+  </cs:floor>
+  <cs:gridlineMajor>
+    <cs:lnRef idx="0"/>
+    <cs:fillRef idx="0"/>
+    <cs:effectRef idx="0"/>
+    <cs:fontRef idx="minor">
+      <a:schemeClr val="tx1"/>
+    </cs:fontRef>
+    <cs:spPr>
+      <a:ln w="9525" cap="flat" cmpd="sng" algn="ctr">
+        <a:solidFill>
+          <a:schemeClr val="tx1">
+            <a:lumMod val="15000"/>
+            <a:lumOff val="85000"/>
+          </a:schemeClr>
+        </a:solidFill>
+        <a:round/>
+      </a:ln>
+    </cs:spPr>
+  </cs:gridlineMajor>
+  <cs:gridlineMinor>
+    <cs:lnRef idx="0"/>
+    <cs:fillRef idx="0"/>
+    <cs:effectRef idx="0"/>
+    <cs:fontRef idx="minor">
+      <a:schemeClr val="tx1"/>
+    </cs:fontRef>
+    <cs:spPr>
+      <a:ln w="9525" cap="flat" cmpd="sng" algn="ctr">
+        <a:solidFill>
+          <a:schemeClr val="tx1">
+            <a:lumMod val="5000"/>
+            <a:lumOff val="95000"/>
+          </a:schemeClr>
+        </a:solidFill>
+        <a:round/>
+      </a:ln>
+    </cs:spPr>
+  </cs:gridlineMinor>
+  <cs:hiLoLine>
+    <cs:lnRef idx="0"/>
+    <cs:fillRef idx="0"/>
+    <cs:effectRef idx="0"/>
+    <cs:fontRef idx="minor">
+      <a:schemeClr val="tx1"/>
+    </cs:fontRef>
+    <cs:spPr>
+      <a:ln w="9525" cap="flat" cmpd="sng" algn="ctr">
+        <a:solidFill>
+          <a:schemeClr val="tx1">
+            <a:lumMod val="50000"/>
+            <a:lumOff val="50000"/>
+          </a:schemeClr>
+        </a:solidFill>
+        <a:round/>
+      </a:ln>
+    </cs:spPr>
+  </cs:hiLoLine>
+  <cs:leaderLine>
+    <cs:lnRef idx="0"/>
+    <cs:fillRef idx="0"/>
+    <cs:effectRef idx="0"/>
+    <cs:fontRef idx="minor">
+      <a:schemeClr val="tx1"/>
+    </cs:fontRef>
+    <cs:spPr>
+      <a:ln w="9525" cap="flat" cmpd="sng" algn="ctr">
+        <a:solidFill>
+          <a:schemeClr val="tx1">
+            <a:lumMod val="35000"/>
+            <a:lumOff val="65000"/>
+          </a:schemeClr>
+        </a:solidFill>
+        <a:round/>
+      </a:ln>
+    </cs:spPr>
+  </cs:leaderLine>
+  <cs:legend>
+    <cs:lnRef idx="0"/>
+    <cs:fillRef idx="0"/>
+    <cs:effectRef idx="0"/>
+    <cs:fontRef idx="minor">
+      <a:schemeClr val="tx1">
+        <a:lumMod val="65000"/>
+        <a:lumOff val="35000"/>
+      </a:schemeClr>
+    </cs:fontRef>
+    <cs:defRPr sz="1197" kern="1200"/>
+  </cs:legend>
+  <cs:plotArea mods="allowNoFillOverride allowNoLineOverride">
+    <cs:lnRef idx="0"/>
+    <cs:fillRef idx="0"/>
+    <cs:effectRef idx="0"/>
+    <cs:fontRef idx="minor">
+      <a:schemeClr val="tx1"/>
+    </cs:fontRef>
+  </cs:plotArea>
+  <cs:plotArea3D mods="allowNoFillOverride allowNoLineOverride">
+    <cs:lnRef idx="0"/>
+    <cs:fillRef idx="0"/>
+    <cs:effectRef idx="0"/>
+    <cs:fontRef idx="minor">
+      <a:schemeClr val="tx1"/>
+    </cs:fontRef>
+  </cs:plotArea3D>
+  <cs:seriesAxis>
+    <cs:lnRef idx="0"/>
+    <cs:fillRef idx="0"/>
+    <cs:effectRef idx="0"/>
+    <cs:fontRef idx="minor">
+      <a:schemeClr val="tx1">
+        <a:lumMod val="65000"/>
+        <a:lumOff val="35000"/>
+      </a:schemeClr>
+    </cs:fontRef>
+    <cs:spPr>
+      <a:ln w="9525" cap="flat" cmpd="sng" algn="ctr">
+        <a:solidFill>
+          <a:schemeClr val="tx1">
+            <a:lumMod val="15000"/>
+            <a:lumOff val="85000"/>
+          </a:schemeClr>
+        </a:solidFill>
+        <a:round/>
+      </a:ln>
+    </cs:spPr>
+    <cs:defRPr sz="1197" kern="1200"/>
+  </cs:seriesAxis>
+  <cs:seriesLine>
+    <cs:lnRef idx="0"/>
+    <cs:fillRef idx="0"/>
+    <cs:effectRef idx="0"/>
+    <cs:fontRef idx="minor">
+      <a:schemeClr val="tx1"/>
+    </cs:fontRef>
+    <cs:spPr>
+      <a:ln w="9525" cap="flat" cmpd="sng" algn="ctr">
+        <a:solidFill>
+          <a:schemeClr val="tx1">
+            <a:lumMod val="35000"/>
+            <a:lumOff val="65000"/>
+          </a:schemeClr>
+        </a:solidFill>
+        <a:round/>
+      </a:ln>
+    </cs:spPr>
+  </cs:seriesLine>
+  <cs:title>
+    <cs:lnRef idx="0"/>
+    <cs:fillRef idx="0"/>
+    <cs:effectRef idx="0"/>
+    <cs:fontRef idx="minor">
+      <a:schemeClr val="tx1">
+        <a:lumMod val="65000"/>
+        <a:lumOff val="35000"/>
+      </a:schemeClr>
+    </cs:fontRef>
+    <cs:defRPr sz="1862" b="0" kern="1200" spc="0" baseline="0"/>
+  </cs:title>
+  <cs:trendline>
+    <cs:lnRef idx="0">
+      <cs:styleClr val="auto"/>
+    </cs:lnRef>
+    <cs:fillRef idx="0"/>
+    <cs:effectRef idx="0"/>
+    <cs:fontRef idx="minor">
+      <a:schemeClr val="tx1"/>
+    </cs:fontRef>
+    <cs:spPr>
+      <a:ln w="19050" cap="rnd">
+        <a:solidFill>
+          <a:schemeClr val="phClr"/>
+        </a:solidFill>
+        <a:prstDash val="sysDot"/>
+      </a:ln>
+    </cs:spPr>
+  </cs:trendline>
+  <cs:trendlineLabel>
+    <cs:lnRef idx="0"/>
+    <cs:fillRef idx="0"/>
+    <cs:effectRef idx="0"/>
+    <cs:fontRef idx="minor">
+      <a:schemeClr val="tx1">
+        <a:lumMod val="65000"/>
+        <a:lumOff val="35000"/>
+      </a:schemeClr>
+    </cs:fontRef>
+    <cs:defRPr sz="1197" kern="1200"/>
+  </cs:trendlineLabel>
+  <cs:upBar>
+    <cs:lnRef idx="0"/>
+    <cs:fillRef idx="0"/>
+    <cs:effectRef idx="0"/>
+    <cs:fontRef idx="minor">
+      <a:schemeClr val="tx1"/>
+    </cs:fontRef>
+    <cs:spPr>
+      <a:solidFill>
+        <a:schemeClr val="lt1"/>
+      </a:solidFill>
+      <a:ln w="9525" cap="flat" cmpd="sng" algn="ctr">
+        <a:solidFill>
+          <a:schemeClr val="tx1">
+            <a:lumMod val="65000"/>
+            <a:lumOff val="35000"/>
+          </a:schemeClr>
+        </a:solidFill>
+        <a:round/>
+      </a:ln>
+    </cs:spPr>
+  </cs:upBar>
+  <cs:valueAxis>
+    <cs:lnRef idx="0"/>
+    <cs:fillRef idx="0"/>
+    <cs:effectRef idx="0"/>
+    <cs:fontRef idx="minor">
+      <a:schemeClr val="tx1">
+        <a:lumMod val="65000"/>
+        <a:lumOff val="35000"/>
+      </a:schemeClr>
+    </cs:fontRef>
+    <cs:defRPr sz="1197" kern="1200"/>
+  </cs:valueAxis>
+  <cs:wall>
+    <cs:lnRef idx="0"/>
+    <cs:fillRef idx="0"/>
+    <cs:effectRef idx="0"/>
+    <cs:fontRef idx="minor">
+      <a:schemeClr val="tx1"/>
+    </cs:fontRef>
+    <cs:spPr>
+      <a:noFill/>
+      <a:ln>
+        <a:noFill/>
+      </a:ln>
+    </cs:spPr>
+  </cs:wall>
+</cs:chartStyle>
+</file>
+
+<file path=ppt/drawings/drawing1.xml><?xml version="1.0" encoding="utf-8"?>
+<c:userShapes xmlns:c="http://schemas.openxmlformats.org/drawingml/2006/chart">
+  <cdr:relSizeAnchor xmlns:cdr="http://schemas.openxmlformats.org/drawingml/2006/chartDrawing">
+    <cdr:from>
+      <cdr:x>0.59034</cdr:x>
+      <cdr:y>0.12287</cdr:y>
+    </cdr:from>
+    <cdr:to>
+      <cdr:x>0.70284</cdr:x>
+      <cdr:y>0.29162</cdr:y>
+    </cdr:to>
+    <cdr:sp macro="" textlink="">
+      <cdr:nvSpPr>
+        <cdr:cNvPr id="2" name="文本框 1">
+          <a:extLst xmlns:a="http://schemas.openxmlformats.org/drawingml/2006/main">
+            <a:ext uri="{FF2B5EF4-FFF2-40B4-BE49-F238E27FC236}">
+              <a16:creationId xmlns:a16="http://schemas.microsoft.com/office/drawing/2014/main" id="{16B80CB3-62AE-D842-A9A8-25ED507A4F50}"/>
+            </a:ext>
+          </a:extLst>
+        </cdr:cNvPr>
+        <cdr:cNvSpPr txBox="1"/>
+      </cdr:nvSpPr>
+      <cdr:spPr>
+        <a:xfrm xmlns:a="http://schemas.openxmlformats.org/drawingml/2006/main">
+          <a:off x="4798291" y="665789"/>
+          <a:ext cx="914400" cy="914400"/>
+        </a:xfrm>
+        <a:prstGeom xmlns:a="http://schemas.openxmlformats.org/drawingml/2006/main" prst="rect">
+          <a:avLst/>
+        </a:prstGeom>
+      </cdr:spPr>
+      <cdr:txBody>
+        <a:bodyPr xmlns:a="http://schemas.openxmlformats.org/drawingml/2006/main" vertOverflow="clip" wrap="none" rtlCol="0"/>
+        <a:lstStyle xmlns:a="http://schemas.openxmlformats.org/drawingml/2006/main"/>
+        <a:p xmlns:a="http://schemas.openxmlformats.org/drawingml/2006/main">
+          <a:endParaRPr lang="zh-CN" altLang="en-US" sz="1100" dirty="0"/>
+        </a:p>
+      </cdr:txBody>
+    </cdr:sp>
+  </cdr:relSizeAnchor>
+</c:userShapes>
 </file>
 
 <file path=ppt/slideLayouts/slideLayout1.xml><?xml version="1.0" encoding="utf-8"?>
@@ -149,10 +1164,9 @@
           </a:lstStyle>
           <a:p>
             <a:r>
-              <a:rPr lang="zh-CN" altLang="en-US" smtClean="0"/>
+              <a:rPr lang="zh-CN" altLang="en-US"/>
               <a:t>单击此处编辑母版标题样式</a:t>
             </a:r>
-            <a:endParaRPr lang="zh-CN" altLang="en-US"/>
           </a:p>
         </p:txBody>
       </p:sp>
@@ -214,10 +1228,9 @@
           </a:lstStyle>
           <a:p>
             <a:r>
-              <a:rPr lang="zh-CN" altLang="en-US" smtClean="0"/>
+              <a:rPr lang="zh-CN" altLang="en-US"/>
               <a:t>单击以编辑母版副标题样式</a:t>
             </a:r>
-            <a:endParaRPr lang="zh-CN" altLang="en-US"/>
           </a:p>
         </p:txBody>
       </p:sp>
@@ -238,7 +1251,7 @@
           <a:p>
             <a:fld id="{02CD9535-7419-4E69-94EF-32AE59517E23}" type="datetimeFigureOut">
               <a:rPr lang="zh-CN" altLang="en-US" smtClean="0"/>
-              <a:t>2020/1/3</a:t>
+              <a:t>2020/1/13</a:t>
             </a:fld>
             <a:endParaRPr lang="zh-CN" altLang="en-US"/>
           </a:p>
@@ -332,10 +1345,9 @@
           <a:lstStyle/>
           <a:p>
             <a:r>
-              <a:rPr lang="zh-CN" altLang="en-US" smtClean="0"/>
+              <a:rPr lang="zh-CN" altLang="en-US"/>
               <a:t>单击此处编辑母版标题样式</a:t>
             </a:r>
-            <a:endParaRPr lang="zh-CN" altLang="en-US"/>
           </a:p>
         </p:txBody>
       </p:sp>
@@ -356,38 +1368,37 @@
           <a:p>
             <a:pPr lvl="0"/>
             <a:r>
-              <a:rPr lang="zh-CN" altLang="en-US" smtClean="0"/>
+              <a:rPr lang="zh-CN" altLang="en-US"/>
               <a:t>编辑母版文本样式</a:t>
             </a:r>
           </a:p>
           <a:p>
             <a:pPr lvl="1"/>
             <a:r>
-              <a:rPr lang="zh-CN" altLang="en-US" smtClean="0"/>
+              <a:rPr lang="zh-CN" altLang="en-US"/>
               <a:t>第二级</a:t>
             </a:r>
           </a:p>
           <a:p>
             <a:pPr lvl="2"/>
             <a:r>
-              <a:rPr lang="zh-CN" altLang="en-US" smtClean="0"/>
+              <a:rPr lang="zh-CN" altLang="en-US"/>
               <a:t>第三级</a:t>
             </a:r>
           </a:p>
           <a:p>
             <a:pPr lvl="3"/>
             <a:r>
-              <a:rPr lang="zh-CN" altLang="en-US" smtClean="0"/>
+              <a:rPr lang="zh-CN" altLang="en-US"/>
               <a:t>第四级</a:t>
             </a:r>
           </a:p>
           <a:p>
             <a:pPr lvl="4"/>
             <a:r>
-              <a:rPr lang="zh-CN" altLang="en-US" smtClean="0"/>
+              <a:rPr lang="zh-CN" altLang="en-US"/>
               <a:t>第五级</a:t>
             </a:r>
-            <a:endParaRPr lang="zh-CN" altLang="en-US"/>
           </a:p>
         </p:txBody>
       </p:sp>
@@ -408,7 +1419,7 @@
           <a:p>
             <a:fld id="{02CD9535-7419-4E69-94EF-32AE59517E23}" type="datetimeFigureOut">
               <a:rPr lang="zh-CN" altLang="en-US" smtClean="0"/>
-              <a:t>2020/1/3</a:t>
+              <a:t>2020/1/13</a:t>
             </a:fld>
             <a:endParaRPr lang="zh-CN" altLang="en-US"/>
           </a:p>
@@ -507,10 +1518,9 @@
           <a:lstStyle/>
           <a:p>
             <a:r>
-              <a:rPr lang="zh-CN" altLang="en-US" smtClean="0"/>
+              <a:rPr lang="zh-CN" altLang="en-US"/>
               <a:t>单击此处编辑母版标题样式</a:t>
             </a:r>
-            <a:endParaRPr lang="zh-CN" altLang="en-US"/>
           </a:p>
         </p:txBody>
       </p:sp>
@@ -536,38 +1546,37 @@
           <a:p>
             <a:pPr lvl="0"/>
             <a:r>
-              <a:rPr lang="zh-CN" altLang="en-US" smtClean="0"/>
+              <a:rPr lang="zh-CN" altLang="en-US"/>
               <a:t>编辑母版文本样式</a:t>
             </a:r>
           </a:p>
           <a:p>
             <a:pPr lvl="1"/>
             <a:r>
-              <a:rPr lang="zh-CN" altLang="en-US" smtClean="0"/>
+              <a:rPr lang="zh-CN" altLang="en-US"/>
               <a:t>第二级</a:t>
             </a:r>
           </a:p>
           <a:p>
             <a:pPr lvl="2"/>
             <a:r>
-              <a:rPr lang="zh-CN" altLang="en-US" smtClean="0"/>
+              <a:rPr lang="zh-CN" altLang="en-US"/>
               <a:t>第三级</a:t>
             </a:r>
           </a:p>
           <a:p>
             <a:pPr lvl="3"/>
             <a:r>
-              <a:rPr lang="zh-CN" altLang="en-US" smtClean="0"/>
+              <a:rPr lang="zh-CN" altLang="en-US"/>
               <a:t>第四级</a:t>
             </a:r>
           </a:p>
           <a:p>
             <a:pPr lvl="4"/>
             <a:r>
-              <a:rPr lang="zh-CN" altLang="en-US" smtClean="0"/>
+              <a:rPr lang="zh-CN" altLang="en-US"/>
               <a:t>第五级</a:t>
             </a:r>
-            <a:endParaRPr lang="zh-CN" altLang="en-US"/>
           </a:p>
         </p:txBody>
       </p:sp>
@@ -588,7 +1597,7 @@
           <a:p>
             <a:fld id="{02CD9535-7419-4E69-94EF-32AE59517E23}" type="datetimeFigureOut">
               <a:rPr lang="zh-CN" altLang="en-US" smtClean="0"/>
-              <a:t>2020/1/3</a:t>
+              <a:t>2020/1/13</a:t>
             </a:fld>
             <a:endParaRPr lang="zh-CN" altLang="en-US"/>
           </a:p>
@@ -682,10 +1691,9 @@
           <a:lstStyle/>
           <a:p>
             <a:r>
-              <a:rPr lang="zh-CN" altLang="en-US" smtClean="0"/>
+              <a:rPr lang="zh-CN" altLang="en-US"/>
               <a:t>单击此处编辑母版标题样式</a:t>
             </a:r>
-            <a:endParaRPr lang="zh-CN" altLang="en-US"/>
           </a:p>
         </p:txBody>
       </p:sp>
@@ -706,38 +1714,37 @@
           <a:p>
             <a:pPr lvl="0"/>
             <a:r>
-              <a:rPr lang="zh-CN" altLang="en-US" smtClean="0"/>
+              <a:rPr lang="zh-CN" altLang="en-US"/>
               <a:t>编辑母版文本样式</a:t>
             </a:r>
           </a:p>
           <a:p>
             <a:pPr lvl="1"/>
             <a:r>
-              <a:rPr lang="zh-CN" altLang="en-US" smtClean="0"/>
+              <a:rPr lang="zh-CN" altLang="en-US"/>
               <a:t>第二级</a:t>
             </a:r>
           </a:p>
           <a:p>
             <a:pPr lvl="2"/>
             <a:r>
-              <a:rPr lang="zh-CN" altLang="en-US" smtClean="0"/>
+              <a:rPr lang="zh-CN" altLang="en-US"/>
               <a:t>第三级</a:t>
             </a:r>
           </a:p>
           <a:p>
             <a:pPr lvl="3"/>
             <a:r>
-              <a:rPr lang="zh-CN" altLang="en-US" smtClean="0"/>
+              <a:rPr lang="zh-CN" altLang="en-US"/>
               <a:t>第四级</a:t>
             </a:r>
           </a:p>
           <a:p>
             <a:pPr lvl="4"/>
             <a:r>
-              <a:rPr lang="zh-CN" altLang="en-US" smtClean="0"/>
+              <a:rPr lang="zh-CN" altLang="en-US"/>
               <a:t>第五级</a:t>
             </a:r>
-            <a:endParaRPr lang="zh-CN" altLang="en-US"/>
           </a:p>
         </p:txBody>
       </p:sp>
@@ -758,7 +1765,7 @@
           <a:p>
             <a:fld id="{02CD9535-7419-4E69-94EF-32AE59517E23}" type="datetimeFigureOut">
               <a:rPr lang="zh-CN" altLang="en-US" smtClean="0"/>
-              <a:t>2020/1/3</a:t>
+              <a:t>2020/1/13</a:t>
             </a:fld>
             <a:endParaRPr lang="zh-CN" altLang="en-US"/>
           </a:p>
@@ -861,10 +1868,9 @@
           </a:lstStyle>
           <a:p>
             <a:r>
-              <a:rPr lang="zh-CN" altLang="en-US" smtClean="0"/>
+              <a:rPr lang="zh-CN" altLang="en-US"/>
               <a:t>单击此处编辑母版标题样式</a:t>
             </a:r>
-            <a:endParaRPr lang="zh-CN" altLang="en-US"/>
           </a:p>
         </p:txBody>
       </p:sp>
@@ -981,7 +1987,7 @@
           <a:p>
             <a:pPr lvl="0"/>
             <a:r>
-              <a:rPr lang="zh-CN" altLang="en-US" smtClean="0"/>
+              <a:rPr lang="zh-CN" altLang="en-US"/>
               <a:t>编辑母版文本样式</a:t>
             </a:r>
           </a:p>
@@ -1004,7 +2010,7 @@
           <a:p>
             <a:fld id="{02CD9535-7419-4E69-94EF-32AE59517E23}" type="datetimeFigureOut">
               <a:rPr lang="zh-CN" altLang="en-US" smtClean="0"/>
-              <a:t>2020/1/3</a:t>
+              <a:t>2020/1/13</a:t>
             </a:fld>
             <a:endParaRPr lang="zh-CN" altLang="en-US"/>
           </a:p>
@@ -1098,10 +2104,9 @@
           <a:lstStyle/>
           <a:p>
             <a:r>
-              <a:rPr lang="zh-CN" altLang="en-US" smtClean="0"/>
+              <a:rPr lang="zh-CN" altLang="en-US"/>
               <a:t>单击此处编辑母版标题样式</a:t>
             </a:r>
-            <a:endParaRPr lang="zh-CN" altLang="en-US"/>
           </a:p>
         </p:txBody>
       </p:sp>
@@ -1127,38 +2132,37 @@
           <a:p>
             <a:pPr lvl="0"/>
             <a:r>
-              <a:rPr lang="zh-CN" altLang="en-US" smtClean="0"/>
+              <a:rPr lang="zh-CN" altLang="en-US"/>
               <a:t>编辑母版文本样式</a:t>
             </a:r>
           </a:p>
           <a:p>
             <a:pPr lvl="1"/>
             <a:r>
-              <a:rPr lang="zh-CN" altLang="en-US" smtClean="0"/>
+              <a:rPr lang="zh-CN" altLang="en-US"/>
               <a:t>第二级</a:t>
             </a:r>
           </a:p>
           <a:p>
             <a:pPr lvl="2"/>
             <a:r>
-              <a:rPr lang="zh-CN" altLang="en-US" smtClean="0"/>
+              <a:rPr lang="zh-CN" altLang="en-US"/>
               <a:t>第三级</a:t>
             </a:r>
           </a:p>
           <a:p>
             <a:pPr lvl="3"/>
             <a:r>
-              <a:rPr lang="zh-CN" altLang="en-US" smtClean="0"/>
+              <a:rPr lang="zh-CN" altLang="en-US"/>
               <a:t>第四级</a:t>
             </a:r>
           </a:p>
           <a:p>
             <a:pPr lvl="4"/>
             <a:r>
-              <a:rPr lang="zh-CN" altLang="en-US" smtClean="0"/>
+              <a:rPr lang="zh-CN" altLang="en-US"/>
               <a:t>第五级</a:t>
             </a:r>
-            <a:endParaRPr lang="zh-CN" altLang="en-US"/>
           </a:p>
         </p:txBody>
       </p:sp>
@@ -1184,38 +2188,37 @@
           <a:p>
             <a:pPr lvl="0"/>
             <a:r>
-              <a:rPr lang="zh-CN" altLang="en-US" smtClean="0"/>
+              <a:rPr lang="zh-CN" altLang="en-US"/>
               <a:t>编辑母版文本样式</a:t>
             </a:r>
           </a:p>
           <a:p>
             <a:pPr lvl="1"/>
             <a:r>
-              <a:rPr lang="zh-CN" altLang="en-US" smtClean="0"/>
+              <a:rPr lang="zh-CN" altLang="en-US"/>
               <a:t>第二级</a:t>
             </a:r>
           </a:p>
           <a:p>
             <a:pPr lvl="2"/>
             <a:r>
-              <a:rPr lang="zh-CN" altLang="en-US" smtClean="0"/>
+              <a:rPr lang="zh-CN" altLang="en-US"/>
               <a:t>第三级</a:t>
             </a:r>
           </a:p>
           <a:p>
             <a:pPr lvl="3"/>
             <a:r>
-              <a:rPr lang="zh-CN" altLang="en-US" smtClean="0"/>
+              <a:rPr lang="zh-CN" altLang="en-US"/>
               <a:t>第四级</a:t>
             </a:r>
           </a:p>
           <a:p>
             <a:pPr lvl="4"/>
             <a:r>
-              <a:rPr lang="zh-CN" altLang="en-US" smtClean="0"/>
+              <a:rPr lang="zh-CN" altLang="en-US"/>
               <a:t>第五级</a:t>
             </a:r>
-            <a:endParaRPr lang="zh-CN" altLang="en-US"/>
           </a:p>
         </p:txBody>
       </p:sp>
@@ -1236,7 +2239,7 @@
           <a:p>
             <a:fld id="{02CD9535-7419-4E69-94EF-32AE59517E23}" type="datetimeFigureOut">
               <a:rPr lang="zh-CN" altLang="en-US" smtClean="0"/>
-              <a:t>2020/1/3</a:t>
+              <a:t>2020/1/13</a:t>
             </a:fld>
             <a:endParaRPr lang="zh-CN" altLang="en-US"/>
           </a:p>
@@ -1335,10 +2338,9 @@
           <a:lstStyle/>
           <a:p>
             <a:r>
-              <a:rPr lang="zh-CN" altLang="en-US" smtClean="0"/>
+              <a:rPr lang="zh-CN" altLang="en-US"/>
               <a:t>单击此处编辑母版标题样式</a:t>
             </a:r>
-            <a:endParaRPr lang="zh-CN" altLang="en-US"/>
           </a:p>
         </p:txBody>
       </p:sp>
@@ -1401,7 +2403,7 @@
           <a:p>
             <a:pPr lvl="0"/>
             <a:r>
-              <a:rPr lang="zh-CN" altLang="en-US" smtClean="0"/>
+              <a:rPr lang="zh-CN" altLang="en-US"/>
               <a:t>编辑母版文本样式</a:t>
             </a:r>
           </a:p>
@@ -1429,38 +2431,37 @@
           <a:p>
             <a:pPr lvl="0"/>
             <a:r>
-              <a:rPr lang="zh-CN" altLang="en-US" smtClean="0"/>
+              <a:rPr lang="zh-CN" altLang="en-US"/>
               <a:t>编辑母版文本样式</a:t>
             </a:r>
           </a:p>
           <a:p>
             <a:pPr lvl="1"/>
             <a:r>
-              <a:rPr lang="zh-CN" altLang="en-US" smtClean="0"/>
+              <a:rPr lang="zh-CN" altLang="en-US"/>
               <a:t>第二级</a:t>
             </a:r>
           </a:p>
           <a:p>
             <a:pPr lvl="2"/>
             <a:r>
-              <a:rPr lang="zh-CN" altLang="en-US" smtClean="0"/>
+              <a:rPr lang="zh-CN" altLang="en-US"/>
               <a:t>第三级</a:t>
             </a:r>
           </a:p>
           <a:p>
             <a:pPr lvl="3"/>
             <a:r>
-              <a:rPr lang="zh-CN" altLang="en-US" smtClean="0"/>
+              <a:rPr lang="zh-CN" altLang="en-US"/>
               <a:t>第四级</a:t>
             </a:r>
           </a:p>
           <a:p>
             <a:pPr lvl="4"/>
             <a:r>
-              <a:rPr lang="zh-CN" altLang="en-US" smtClean="0"/>
+              <a:rPr lang="zh-CN" altLang="en-US"/>
               <a:t>第五级</a:t>
             </a:r>
-            <a:endParaRPr lang="zh-CN" altLang="en-US"/>
           </a:p>
         </p:txBody>
       </p:sp>
@@ -1523,7 +2524,7 @@
           <a:p>
             <a:pPr lvl="0"/>
             <a:r>
-              <a:rPr lang="zh-CN" altLang="en-US" smtClean="0"/>
+              <a:rPr lang="zh-CN" altLang="en-US"/>
               <a:t>编辑母版文本样式</a:t>
             </a:r>
           </a:p>
@@ -1551,38 +2552,37 @@
           <a:p>
             <a:pPr lvl="0"/>
             <a:r>
-              <a:rPr lang="zh-CN" altLang="en-US" smtClean="0"/>
+              <a:rPr lang="zh-CN" altLang="en-US"/>
               <a:t>编辑母版文本样式</a:t>
             </a:r>
           </a:p>
           <a:p>
             <a:pPr lvl="1"/>
             <a:r>
-              <a:rPr lang="zh-CN" altLang="en-US" smtClean="0"/>
+              <a:rPr lang="zh-CN" altLang="en-US"/>
               <a:t>第二级</a:t>
             </a:r>
           </a:p>
           <a:p>
             <a:pPr lvl="2"/>
             <a:r>
-              <a:rPr lang="zh-CN" altLang="en-US" smtClean="0"/>
+              <a:rPr lang="zh-CN" altLang="en-US"/>
               <a:t>第三级</a:t>
             </a:r>
           </a:p>
           <a:p>
             <a:pPr lvl="3"/>
             <a:r>
-              <a:rPr lang="zh-CN" altLang="en-US" smtClean="0"/>
+              <a:rPr lang="zh-CN" altLang="en-US"/>
               <a:t>第四级</a:t>
             </a:r>
           </a:p>
           <a:p>
             <a:pPr lvl="4"/>
             <a:r>
-              <a:rPr lang="zh-CN" altLang="en-US" smtClean="0"/>
+              <a:rPr lang="zh-CN" altLang="en-US"/>
               <a:t>第五级</a:t>
             </a:r>
-            <a:endParaRPr lang="zh-CN" altLang="en-US"/>
           </a:p>
         </p:txBody>
       </p:sp>
@@ -1603,7 +2603,7 @@
           <a:p>
             <a:fld id="{02CD9535-7419-4E69-94EF-32AE59517E23}" type="datetimeFigureOut">
               <a:rPr lang="zh-CN" altLang="en-US" smtClean="0"/>
-              <a:t>2020/1/3</a:t>
+              <a:t>2020/1/13</a:t>
             </a:fld>
             <a:endParaRPr lang="zh-CN" altLang="en-US"/>
           </a:p>
@@ -1697,10 +2697,9 @@
           <a:lstStyle/>
           <a:p>
             <a:r>
-              <a:rPr lang="zh-CN" altLang="en-US" smtClean="0"/>
+              <a:rPr lang="zh-CN" altLang="en-US"/>
               <a:t>单击此处编辑母版标题样式</a:t>
             </a:r>
-            <a:endParaRPr lang="zh-CN" altLang="en-US"/>
           </a:p>
         </p:txBody>
       </p:sp>
@@ -1721,7 +2720,7 @@
           <a:p>
             <a:fld id="{02CD9535-7419-4E69-94EF-32AE59517E23}" type="datetimeFigureOut">
               <a:rPr lang="zh-CN" altLang="en-US" smtClean="0"/>
-              <a:t>2020/1/3</a:t>
+              <a:t>2020/1/13</a:t>
             </a:fld>
             <a:endParaRPr lang="zh-CN" altLang="en-US"/>
           </a:p>
@@ -1816,7 +2815,7 @@
           <a:p>
             <a:fld id="{02CD9535-7419-4E69-94EF-32AE59517E23}" type="datetimeFigureOut">
               <a:rPr lang="zh-CN" altLang="en-US" smtClean="0"/>
-              <a:t>2020/1/3</a:t>
+              <a:t>2020/1/13</a:t>
             </a:fld>
             <a:endParaRPr lang="zh-CN" altLang="en-US"/>
           </a:p>
@@ -1919,10 +2918,9 @@
           </a:lstStyle>
           <a:p>
             <a:r>
-              <a:rPr lang="zh-CN" altLang="en-US" smtClean="0"/>
+              <a:rPr lang="zh-CN" altLang="en-US"/>
               <a:t>单击此处编辑母版标题样式</a:t>
             </a:r>
-            <a:endParaRPr lang="zh-CN" altLang="en-US"/>
           </a:p>
         </p:txBody>
       </p:sp>
@@ -1976,38 +2974,37 @@
           <a:p>
             <a:pPr lvl="0"/>
             <a:r>
-              <a:rPr lang="zh-CN" altLang="en-US" smtClean="0"/>
+              <a:rPr lang="zh-CN" altLang="en-US"/>
               <a:t>编辑母版文本样式</a:t>
             </a:r>
           </a:p>
           <a:p>
             <a:pPr lvl="1"/>
             <a:r>
-              <a:rPr lang="zh-CN" altLang="en-US" smtClean="0"/>
+              <a:rPr lang="zh-CN" altLang="en-US"/>
               <a:t>第二级</a:t>
             </a:r>
           </a:p>
           <a:p>
             <a:pPr lvl="2"/>
             <a:r>
-              <a:rPr lang="zh-CN" altLang="en-US" smtClean="0"/>
+              <a:rPr lang="zh-CN" altLang="en-US"/>
               <a:t>第三级</a:t>
             </a:r>
           </a:p>
           <a:p>
             <a:pPr lvl="3"/>
             <a:r>
-              <a:rPr lang="zh-CN" altLang="en-US" smtClean="0"/>
+              <a:rPr lang="zh-CN" altLang="en-US"/>
               <a:t>第四级</a:t>
             </a:r>
           </a:p>
           <a:p>
             <a:pPr lvl="4"/>
             <a:r>
-              <a:rPr lang="zh-CN" altLang="en-US" smtClean="0"/>
+              <a:rPr lang="zh-CN" altLang="en-US"/>
               <a:t>第五级</a:t>
             </a:r>
-            <a:endParaRPr lang="zh-CN" altLang="en-US"/>
           </a:p>
         </p:txBody>
       </p:sp>
@@ -2070,7 +3067,7 @@
           <a:p>
             <a:pPr lvl="0"/>
             <a:r>
-              <a:rPr lang="zh-CN" altLang="en-US" smtClean="0"/>
+              <a:rPr lang="zh-CN" altLang="en-US"/>
               <a:t>编辑母版文本样式</a:t>
             </a:r>
           </a:p>
@@ -2093,7 +3090,7 @@
           <a:p>
             <a:fld id="{02CD9535-7419-4E69-94EF-32AE59517E23}" type="datetimeFigureOut">
               <a:rPr lang="zh-CN" altLang="en-US" smtClean="0"/>
-              <a:t>2020/1/3</a:t>
+              <a:t>2020/1/13</a:t>
             </a:fld>
             <a:endParaRPr lang="zh-CN" altLang="en-US"/>
           </a:p>
@@ -2196,10 +3193,9 @@
           </a:lstStyle>
           <a:p>
             <a:r>
-              <a:rPr lang="zh-CN" altLang="en-US" smtClean="0"/>
+              <a:rPr lang="zh-CN" altLang="en-US"/>
               <a:t>单击此处编辑母版标题样式</a:t>
             </a:r>
-            <a:endParaRPr lang="zh-CN" altLang="en-US"/>
           </a:p>
         </p:txBody>
       </p:sp>
@@ -2323,7 +3319,7 @@
           <a:p>
             <a:pPr lvl="0"/>
             <a:r>
-              <a:rPr lang="zh-CN" altLang="en-US" smtClean="0"/>
+              <a:rPr lang="zh-CN" altLang="en-US"/>
               <a:t>编辑母版文本样式</a:t>
             </a:r>
           </a:p>
@@ -2346,7 +3342,7 @@
           <a:p>
             <a:fld id="{02CD9535-7419-4E69-94EF-32AE59517E23}" type="datetimeFigureOut">
               <a:rPr lang="zh-CN" altLang="en-US" smtClean="0"/>
-              <a:t>2020/1/3</a:t>
+              <a:t>2020/1/13</a:t>
             </a:fld>
             <a:endParaRPr lang="zh-CN" altLang="en-US"/>
           </a:p>
@@ -2455,10 +3451,9 @@
           <a:lstStyle/>
           <a:p>
             <a:r>
-              <a:rPr lang="zh-CN" altLang="en-US" smtClean="0"/>
+              <a:rPr lang="zh-CN" altLang="en-US"/>
               <a:t>单击此处编辑母版标题样式</a:t>
             </a:r>
-            <a:endParaRPr lang="zh-CN" altLang="en-US"/>
           </a:p>
         </p:txBody>
       </p:sp>
@@ -2489,38 +3484,37 @@
           <a:p>
             <a:pPr lvl="0"/>
             <a:r>
-              <a:rPr lang="zh-CN" altLang="en-US" smtClean="0"/>
+              <a:rPr lang="zh-CN" altLang="en-US"/>
               <a:t>编辑母版文本样式</a:t>
             </a:r>
           </a:p>
           <a:p>
             <a:pPr lvl="1"/>
             <a:r>
-              <a:rPr lang="zh-CN" altLang="en-US" smtClean="0"/>
+              <a:rPr lang="zh-CN" altLang="en-US"/>
               <a:t>第二级</a:t>
             </a:r>
           </a:p>
           <a:p>
             <a:pPr lvl="2"/>
             <a:r>
-              <a:rPr lang="zh-CN" altLang="en-US" smtClean="0"/>
+              <a:rPr lang="zh-CN" altLang="en-US"/>
               <a:t>第三级</a:t>
             </a:r>
           </a:p>
           <a:p>
             <a:pPr lvl="3"/>
             <a:r>
-              <a:rPr lang="zh-CN" altLang="en-US" smtClean="0"/>
+              <a:rPr lang="zh-CN" altLang="en-US"/>
               <a:t>第四级</a:t>
             </a:r>
           </a:p>
           <a:p>
             <a:pPr lvl="4"/>
             <a:r>
-              <a:rPr lang="zh-CN" altLang="en-US" smtClean="0"/>
+              <a:rPr lang="zh-CN" altLang="en-US"/>
               <a:t>第五级</a:t>
             </a:r>
-            <a:endParaRPr lang="zh-CN" altLang="en-US"/>
           </a:p>
         </p:txBody>
       </p:sp>
@@ -2559,7 +3553,7 @@
           <a:p>
             <a:fld id="{02CD9535-7419-4E69-94EF-32AE59517E23}" type="datetimeFigureOut">
               <a:rPr lang="zh-CN" altLang="en-US" smtClean="0"/>
-              <a:t>2020/1/3</a:t>
+              <a:t>2020/1/13</a:t>
             </a:fld>
             <a:endParaRPr lang="zh-CN" altLang="en-US"/>
           </a:p>
@@ -4749,11 +5743,11 @@
           <a:lstStyle/>
           <a:p>
             <a:r>
-              <a:rPr lang="en-US" altLang="zh-CN" dirty="0" smtClean="0"/>
+              <a:rPr lang="en-US" altLang="zh-CN" dirty="0"/>
               <a:t>v</a:t>
             </a:r>
             <a:r>
-              <a:rPr lang="en-US" altLang="zh-CN" baseline="-25000" dirty="0" smtClean="0"/>
+              <a:rPr lang="en-US" altLang="zh-CN" baseline="-25000" dirty="0"/>
               <a:t>1</a:t>
             </a:r>
             <a:endParaRPr lang="zh-CN" altLang="en-US" dirty="0"/>
@@ -4783,7 +5777,7 @@
           <a:lstStyle/>
           <a:p>
             <a:r>
-              <a:rPr lang="en-US" altLang="zh-CN" dirty="0" smtClean="0"/>
+              <a:rPr lang="en-US" altLang="zh-CN" dirty="0"/>
               <a:t>v</a:t>
             </a:r>
             <a:r>
@@ -4817,7 +5811,7 @@
           <a:lstStyle/>
           <a:p>
             <a:r>
-              <a:rPr lang="en-US" altLang="zh-CN" dirty="0" smtClean="0"/>
+              <a:rPr lang="en-US" altLang="zh-CN" dirty="0"/>
               <a:t>v</a:t>
             </a:r>
             <a:r>
@@ -4851,7 +5845,7 @@
           <a:lstStyle/>
           <a:p>
             <a:r>
-              <a:rPr lang="en-US" altLang="zh-CN" dirty="0" smtClean="0"/>
+              <a:rPr lang="en-US" altLang="zh-CN" dirty="0"/>
               <a:t>v</a:t>
             </a:r>
             <a:r>
@@ -4885,7 +5879,7 @@
           <a:lstStyle/>
           <a:p>
             <a:r>
-              <a:rPr lang="en-US" altLang="zh-CN" dirty="0" smtClean="0"/>
+              <a:rPr lang="en-US" altLang="zh-CN" dirty="0"/>
               <a:t>v</a:t>
             </a:r>
             <a:r>
@@ -4919,7 +5913,7 @@
           <a:lstStyle/>
           <a:p>
             <a:r>
-              <a:rPr lang="en-US" altLang="zh-CN" dirty="0" smtClean="0"/>
+              <a:rPr lang="en-US" altLang="zh-CN" dirty="0"/>
               <a:t>v</a:t>
             </a:r>
             <a:r>
@@ -4953,7 +5947,7 @@
           <a:lstStyle/>
           <a:p>
             <a:r>
-              <a:rPr lang="en-US" altLang="zh-CN" dirty="0" smtClean="0"/>
+              <a:rPr lang="en-US" altLang="zh-CN" dirty="0"/>
               <a:t>v</a:t>
             </a:r>
             <a:r>
@@ -4987,7 +5981,7 @@
           <a:lstStyle/>
           <a:p>
             <a:r>
-              <a:rPr lang="en-US" altLang="zh-CN" dirty="0" smtClean="0"/>
+              <a:rPr lang="en-US" altLang="zh-CN" dirty="0"/>
               <a:t>v</a:t>
             </a:r>
             <a:r>
@@ -5021,7 +6015,7 @@
           <a:lstStyle/>
           <a:p>
             <a:r>
-              <a:rPr lang="en-US" altLang="zh-CN" dirty="0" smtClean="0"/>
+              <a:rPr lang="en-US" altLang="zh-CN" dirty="0"/>
               <a:t>v</a:t>
             </a:r>
             <a:r>
@@ -5055,11 +6049,11 @@
           <a:lstStyle/>
           <a:p>
             <a:r>
-              <a:rPr lang="en-US" altLang="zh-CN" dirty="0" smtClean="0"/>
+              <a:rPr lang="en-US" altLang="zh-CN" dirty="0"/>
               <a:t>v</a:t>
             </a:r>
             <a:r>
-              <a:rPr lang="en-US" altLang="zh-CN" baseline="-25000" dirty="0" smtClean="0"/>
+              <a:rPr lang="en-US" altLang="zh-CN" baseline="-25000" dirty="0"/>
               <a:t>10</a:t>
             </a:r>
             <a:endParaRPr lang="zh-CN" altLang="en-US" dirty="0"/>
@@ -5089,11 +6083,11 @@
           <a:lstStyle/>
           <a:p>
             <a:r>
-              <a:rPr lang="en-US" altLang="zh-CN" dirty="0" smtClean="0"/>
+              <a:rPr lang="en-US" altLang="zh-CN" dirty="0"/>
               <a:t>v</a:t>
             </a:r>
             <a:r>
-              <a:rPr lang="en-US" altLang="zh-CN" baseline="-25000" dirty="0" smtClean="0"/>
+              <a:rPr lang="en-US" altLang="zh-CN" baseline="-25000" dirty="0"/>
               <a:t>1</a:t>
             </a:r>
             <a:endParaRPr lang="zh-CN" altLang="en-US" dirty="0"/>
@@ -5123,7 +6117,7 @@
           <a:lstStyle/>
           <a:p>
             <a:r>
-              <a:rPr lang="en-US" altLang="zh-CN" dirty="0" smtClean="0"/>
+              <a:rPr lang="en-US" altLang="zh-CN" dirty="0"/>
               <a:t>v</a:t>
             </a:r>
             <a:r>
@@ -5157,7 +6151,7 @@
           <a:lstStyle/>
           <a:p>
             <a:r>
-              <a:rPr lang="en-US" altLang="zh-CN" dirty="0" smtClean="0"/>
+              <a:rPr lang="en-US" altLang="zh-CN" dirty="0"/>
               <a:t>v</a:t>
             </a:r>
             <a:r>
@@ -5191,7 +6185,7 @@
           <a:lstStyle/>
           <a:p>
             <a:r>
-              <a:rPr lang="en-US" altLang="zh-CN" dirty="0" smtClean="0"/>
+              <a:rPr lang="en-US" altLang="zh-CN" dirty="0"/>
               <a:t>v</a:t>
             </a:r>
             <a:r>
@@ -5225,7 +6219,7 @@
           <a:lstStyle/>
           <a:p>
             <a:r>
-              <a:rPr lang="en-US" altLang="zh-CN" dirty="0" smtClean="0"/>
+              <a:rPr lang="en-US" altLang="zh-CN" dirty="0"/>
               <a:t>v</a:t>
             </a:r>
             <a:r>
@@ -5259,7 +6253,7 @@
           <a:lstStyle/>
           <a:p>
             <a:r>
-              <a:rPr lang="en-US" altLang="zh-CN" dirty="0" smtClean="0"/>
+              <a:rPr lang="en-US" altLang="zh-CN" dirty="0"/>
               <a:t>v</a:t>
             </a:r>
             <a:r>
@@ -5293,7 +6287,7 @@
           <a:lstStyle/>
           <a:p>
             <a:r>
-              <a:rPr lang="en-US" altLang="zh-CN" dirty="0" smtClean="0"/>
+              <a:rPr lang="en-US" altLang="zh-CN" dirty="0"/>
               <a:t>v</a:t>
             </a:r>
             <a:r>
@@ -5327,7 +6321,7 @@
           <a:lstStyle/>
           <a:p>
             <a:r>
-              <a:rPr lang="en-US" altLang="zh-CN" dirty="0" smtClean="0"/>
+              <a:rPr lang="en-US" altLang="zh-CN" dirty="0"/>
               <a:t>v</a:t>
             </a:r>
             <a:r>
@@ -5361,7 +6355,7 @@
           <a:lstStyle/>
           <a:p>
             <a:r>
-              <a:rPr lang="en-US" altLang="zh-CN" dirty="0" smtClean="0"/>
+              <a:rPr lang="en-US" altLang="zh-CN" dirty="0"/>
               <a:t>v</a:t>
             </a:r>
             <a:r>
@@ -5395,11 +6389,11 @@
           <a:lstStyle/>
           <a:p>
             <a:r>
-              <a:rPr lang="en-US" altLang="zh-CN" dirty="0" smtClean="0"/>
+              <a:rPr lang="en-US" altLang="zh-CN" dirty="0"/>
               <a:t>v</a:t>
             </a:r>
             <a:r>
-              <a:rPr lang="en-US" altLang="zh-CN" baseline="-25000" dirty="0" smtClean="0"/>
+              <a:rPr lang="en-US" altLang="zh-CN" baseline="-25000" dirty="0"/>
               <a:t>10</a:t>
             </a:r>
             <a:endParaRPr lang="zh-CN" altLang="en-US" dirty="0"/>
@@ -5429,11 +6423,11 @@
           <a:lstStyle/>
           <a:p>
             <a:r>
-              <a:rPr lang="en-US" altLang="zh-CN" dirty="0" smtClean="0"/>
+              <a:rPr lang="en-US" altLang="zh-CN" dirty="0"/>
               <a:t>v</a:t>
             </a:r>
             <a:r>
-              <a:rPr lang="en-US" altLang="zh-CN" baseline="-25000" dirty="0" smtClean="0"/>
+              <a:rPr lang="en-US" altLang="zh-CN" baseline="-25000" dirty="0"/>
               <a:t>1</a:t>
             </a:r>
             <a:endParaRPr lang="zh-CN" altLang="en-US" dirty="0"/>
@@ -5463,7 +6457,7 @@
           <a:lstStyle/>
           <a:p>
             <a:r>
-              <a:rPr lang="en-US" altLang="zh-CN" dirty="0" smtClean="0"/>
+              <a:rPr lang="en-US" altLang="zh-CN" dirty="0"/>
               <a:t>v</a:t>
             </a:r>
             <a:r>
@@ -5497,7 +6491,7 @@
           <a:lstStyle/>
           <a:p>
             <a:r>
-              <a:rPr lang="en-US" altLang="zh-CN" dirty="0" smtClean="0"/>
+              <a:rPr lang="en-US" altLang="zh-CN" dirty="0"/>
               <a:t>v</a:t>
             </a:r>
             <a:r>
@@ -5531,7 +6525,7 @@
           <a:lstStyle/>
           <a:p>
             <a:r>
-              <a:rPr lang="en-US" altLang="zh-CN" dirty="0" smtClean="0"/>
+              <a:rPr lang="en-US" altLang="zh-CN" dirty="0"/>
               <a:t>v</a:t>
             </a:r>
             <a:r>
@@ -5565,7 +6559,7 @@
           <a:lstStyle/>
           <a:p>
             <a:r>
-              <a:rPr lang="en-US" altLang="zh-CN" dirty="0" smtClean="0"/>
+              <a:rPr lang="en-US" altLang="zh-CN" dirty="0"/>
               <a:t>v</a:t>
             </a:r>
             <a:r>
@@ -5599,7 +6593,7 @@
           <a:lstStyle/>
           <a:p>
             <a:r>
-              <a:rPr lang="en-US" altLang="zh-CN" dirty="0" smtClean="0"/>
+              <a:rPr lang="en-US" altLang="zh-CN" dirty="0"/>
               <a:t>v</a:t>
             </a:r>
             <a:r>
@@ -5633,7 +6627,7 @@
           <a:lstStyle/>
           <a:p>
             <a:r>
-              <a:rPr lang="en-US" altLang="zh-CN" dirty="0" smtClean="0"/>
+              <a:rPr lang="en-US" altLang="zh-CN" dirty="0"/>
               <a:t>v</a:t>
             </a:r>
             <a:r>
@@ -5667,7 +6661,7 @@
           <a:lstStyle/>
           <a:p>
             <a:r>
-              <a:rPr lang="en-US" altLang="zh-CN" dirty="0" smtClean="0"/>
+              <a:rPr lang="en-US" altLang="zh-CN" dirty="0"/>
               <a:t>v</a:t>
             </a:r>
             <a:r>
@@ -5701,7 +6695,7 @@
           <a:lstStyle/>
           <a:p>
             <a:r>
-              <a:rPr lang="en-US" altLang="zh-CN" dirty="0" smtClean="0"/>
+              <a:rPr lang="en-US" altLang="zh-CN" dirty="0"/>
               <a:t>v</a:t>
             </a:r>
             <a:r>
@@ -5735,11 +6729,11 @@
           <a:lstStyle/>
           <a:p>
             <a:r>
-              <a:rPr lang="en-US" altLang="zh-CN" dirty="0" smtClean="0"/>
+              <a:rPr lang="en-US" altLang="zh-CN" dirty="0"/>
               <a:t>v</a:t>
             </a:r>
             <a:r>
-              <a:rPr lang="en-US" altLang="zh-CN" baseline="-25000" dirty="0" smtClean="0"/>
+              <a:rPr lang="en-US" altLang="zh-CN" baseline="-25000" dirty="0"/>
               <a:t>10</a:t>
             </a:r>
             <a:endParaRPr lang="zh-CN" altLang="en-US" dirty="0"/>
@@ -5769,11 +6763,11 @@
           <a:lstStyle/>
           <a:p>
             <a:r>
-              <a:rPr lang="en-US" altLang="zh-CN" dirty="0" smtClean="0"/>
+              <a:rPr lang="en-US" altLang="zh-CN" dirty="0"/>
               <a:t>v</a:t>
             </a:r>
             <a:r>
-              <a:rPr lang="en-US" altLang="zh-CN" baseline="-25000" dirty="0" smtClean="0"/>
+              <a:rPr lang="en-US" altLang="zh-CN" baseline="-25000" dirty="0"/>
               <a:t>1</a:t>
             </a:r>
             <a:endParaRPr lang="zh-CN" altLang="en-US" dirty="0"/>
@@ -5803,7 +6797,7 @@
           <a:lstStyle/>
           <a:p>
             <a:r>
-              <a:rPr lang="en-US" altLang="zh-CN" dirty="0" smtClean="0"/>
+              <a:rPr lang="en-US" altLang="zh-CN" dirty="0"/>
               <a:t>v</a:t>
             </a:r>
             <a:r>
@@ -5837,7 +6831,7 @@
           <a:lstStyle/>
           <a:p>
             <a:r>
-              <a:rPr lang="en-US" altLang="zh-CN" dirty="0" smtClean="0"/>
+              <a:rPr lang="en-US" altLang="zh-CN" dirty="0"/>
               <a:t>v</a:t>
             </a:r>
             <a:r>
@@ -5871,7 +6865,7 @@
           <a:lstStyle/>
           <a:p>
             <a:r>
-              <a:rPr lang="en-US" altLang="zh-CN" dirty="0" smtClean="0"/>
+              <a:rPr lang="en-US" altLang="zh-CN" dirty="0"/>
               <a:t>v</a:t>
             </a:r>
             <a:r>
@@ -5905,7 +6899,7 @@
           <a:lstStyle/>
           <a:p>
             <a:r>
-              <a:rPr lang="en-US" altLang="zh-CN" dirty="0" smtClean="0"/>
+              <a:rPr lang="en-US" altLang="zh-CN" dirty="0"/>
               <a:t>v</a:t>
             </a:r>
             <a:r>
@@ -5939,7 +6933,7 @@
           <a:lstStyle/>
           <a:p>
             <a:r>
-              <a:rPr lang="en-US" altLang="zh-CN" dirty="0" smtClean="0"/>
+              <a:rPr lang="en-US" altLang="zh-CN" dirty="0"/>
               <a:t>v</a:t>
             </a:r>
             <a:r>
@@ -5973,7 +6967,7 @@
           <a:lstStyle/>
           <a:p>
             <a:r>
-              <a:rPr lang="en-US" altLang="zh-CN" dirty="0" smtClean="0"/>
+              <a:rPr lang="en-US" altLang="zh-CN" dirty="0"/>
               <a:t>v</a:t>
             </a:r>
             <a:r>
@@ -6007,7 +7001,7 @@
           <a:lstStyle/>
           <a:p>
             <a:r>
-              <a:rPr lang="en-US" altLang="zh-CN" dirty="0" smtClean="0"/>
+              <a:rPr lang="en-US" altLang="zh-CN" dirty="0"/>
               <a:t>v</a:t>
             </a:r>
             <a:r>
@@ -6041,7 +7035,7 @@
           <a:lstStyle/>
           <a:p>
             <a:r>
-              <a:rPr lang="en-US" altLang="zh-CN" dirty="0" smtClean="0"/>
+              <a:rPr lang="en-US" altLang="zh-CN" dirty="0"/>
               <a:t>v</a:t>
             </a:r>
             <a:r>
@@ -6075,11 +7069,11 @@
           <a:lstStyle/>
           <a:p>
             <a:r>
-              <a:rPr lang="en-US" altLang="zh-CN" dirty="0" smtClean="0"/>
+              <a:rPr lang="en-US" altLang="zh-CN" dirty="0"/>
               <a:t>v</a:t>
             </a:r>
             <a:r>
-              <a:rPr lang="en-US" altLang="zh-CN" baseline="-25000" dirty="0" smtClean="0"/>
+              <a:rPr lang="en-US" altLang="zh-CN" baseline="-25000" dirty="0"/>
               <a:t>10</a:t>
             </a:r>
             <a:endParaRPr lang="zh-CN" altLang="en-US" dirty="0"/>
@@ -6122,13 +7116,9 @@
             <a:pPr algn="ctr"/>
             <a:r>
               <a:rPr lang="zh-CN" altLang="en-US" dirty="0"/>
-              <a:t>个体</a:t>
-            </a:r>
-            <a:r>
-              <a:rPr lang="zh-CN" altLang="en-US" dirty="0" smtClean="0"/>
-              <a:t>集</a:t>
-            </a:r>
-            <a:endParaRPr lang="en-US" altLang="zh-CN" dirty="0" smtClean="0"/>
+              <a:t>个体集</a:t>
+            </a:r>
+            <a:endParaRPr lang="en-US" altLang="zh-CN" dirty="0"/>
           </a:p>
         </p:txBody>
       </p:sp>
@@ -6493,14 +7483,14 @@
           <a:p>
             <a:pPr algn="ctr"/>
             <a:r>
-              <a:rPr lang="en-US" altLang="zh-CN" dirty="0" smtClean="0"/>
+              <a:rPr lang="en-US" altLang="zh-CN" dirty="0"/>
               <a:t>G</a:t>
             </a:r>
             <a:r>
-              <a:rPr lang="en-US" altLang="zh-CN" baseline="-25000" dirty="0" smtClean="0"/>
+              <a:rPr lang="en-US" altLang="zh-CN" baseline="-25000" dirty="0"/>
               <a:t>1</a:t>
             </a:r>
-            <a:endParaRPr lang="en-US" altLang="zh-CN" dirty="0" smtClean="0"/>
+            <a:endParaRPr lang="en-US" altLang="zh-CN" dirty="0"/>
           </a:p>
         </p:txBody>
       </p:sp>
@@ -7225,14 +8215,14 @@
           <a:p>
             <a:pPr algn="ctr"/>
             <a:r>
-              <a:rPr lang="en-US" altLang="zh-CN" dirty="0" smtClean="0"/>
+              <a:rPr lang="en-US" altLang="zh-CN" dirty="0"/>
               <a:t>G</a:t>
             </a:r>
             <a:r>
               <a:rPr lang="en-US" altLang="zh-CN" baseline="-25000" dirty="0"/>
               <a:t>3</a:t>
             </a:r>
-            <a:endParaRPr lang="en-US" altLang="zh-CN" dirty="0" smtClean="0"/>
+            <a:endParaRPr lang="en-US" altLang="zh-CN" dirty="0"/>
           </a:p>
         </p:txBody>
       </p:sp>
@@ -7273,14 +8263,14 @@
           <a:p>
             <a:pPr algn="ctr"/>
             <a:r>
-              <a:rPr lang="en-US" altLang="zh-CN" dirty="0" smtClean="0"/>
+              <a:rPr lang="en-US" altLang="zh-CN" dirty="0"/>
               <a:t>G</a:t>
             </a:r>
             <a:r>
               <a:rPr lang="en-US" altLang="zh-CN" baseline="-25000" dirty="0"/>
               <a:t>2</a:t>
             </a:r>
-            <a:endParaRPr lang="en-US" altLang="zh-CN" dirty="0" smtClean="0"/>
+            <a:endParaRPr lang="en-US" altLang="zh-CN" dirty="0"/>
           </a:p>
         </p:txBody>
       </p:sp>
@@ -7288,6 +8278,297 @@
     <p:extLst>
       <p:ext uri="{BB962C8B-B14F-4D97-AF65-F5344CB8AC3E}">
         <p14:creationId xmlns:p14="http://schemas.microsoft.com/office/powerpoint/2010/main" val="3519176278"/>
+      </p:ext>
+    </p:extLst>
+  </p:cSld>
+  <p:clrMapOvr>
+    <a:masterClrMapping/>
+  </p:clrMapOvr>
+</p:sld>
+</file>
+
+<file path=ppt/slides/slide2.xml><?xml version="1.0" encoding="utf-8"?>
+<p:sld xmlns:a="http://schemas.openxmlformats.org/drawingml/2006/main" xmlns:r="http://schemas.openxmlformats.org/officeDocument/2006/relationships" xmlns:p="http://schemas.openxmlformats.org/presentationml/2006/main">
+  <p:cSld>
+    <p:spTree>
+      <p:nvGrpSpPr>
+        <p:cNvPr id="1" name=""/>
+        <p:cNvGrpSpPr/>
+        <p:nvPr/>
+      </p:nvGrpSpPr>
+      <p:grpSpPr>
+        <a:xfrm>
+          <a:off x="0" y="0"/>
+          <a:ext cx="0" cy="0"/>
+          <a:chOff x="0" y="0"/>
+          <a:chExt cx="0" cy="0"/>
+        </a:xfrm>
+      </p:grpSpPr>
+      <p:graphicFrame>
+        <p:nvGraphicFramePr>
+          <p:cNvPr id="4" name="图表 3">
+            <a:extLst>
+              <a:ext uri="{FF2B5EF4-FFF2-40B4-BE49-F238E27FC236}">
+                <a16:creationId xmlns:a16="http://schemas.microsoft.com/office/drawing/2014/main" id="{6260D939-9109-1644-B97F-743696C885B7}"/>
+              </a:ext>
+            </a:extLst>
+          </p:cNvPr>
+          <p:cNvGraphicFramePr/>
+          <p:nvPr>
+            <p:extLst>
+              <p:ext uri="{D42A27DB-BD31-4B8C-83A1-F6EECF244321}">
+                <p14:modId xmlns:p14="http://schemas.microsoft.com/office/powerpoint/2010/main" val="3142159553"/>
+              </p:ext>
+            </p:extLst>
+          </p:nvPr>
+        </p:nvGraphicFramePr>
+        <p:xfrm>
+          <a:off x="2032000" y="719666"/>
+          <a:ext cx="8128000" cy="5418667"/>
+        </p:xfrm>
+        <a:graphic>
+          <a:graphicData uri="http://schemas.openxmlformats.org/drawingml/2006/chart">
+            <c:chart xmlns:c="http://schemas.openxmlformats.org/drawingml/2006/chart" xmlns:r="http://schemas.openxmlformats.org/officeDocument/2006/relationships" r:id="rId2"/>
+          </a:graphicData>
+        </a:graphic>
+      </p:graphicFrame>
+      <p:sp>
+        <p:nvSpPr>
+          <p:cNvPr id="5" name="文本框 4">
+            <a:extLst>
+              <a:ext uri="{FF2B5EF4-FFF2-40B4-BE49-F238E27FC236}">
+                <a16:creationId xmlns:a16="http://schemas.microsoft.com/office/drawing/2014/main" id="{FF544B58-8337-9C46-BD74-DD18E90FDEFC}"/>
+              </a:ext>
+            </a:extLst>
+          </p:cNvPr>
+          <p:cNvSpPr txBox="1"/>
+          <p:nvPr/>
+        </p:nvSpPr>
+        <p:spPr>
+          <a:xfrm>
+            <a:off x="5849872" y="3546763"/>
+            <a:ext cx="1559052" cy="1015663"/>
+          </a:xfrm>
+          <a:prstGeom prst="rect">
+            <a:avLst/>
+          </a:prstGeom>
+          <a:noFill/>
+        </p:spPr>
+        <p:txBody>
+          <a:bodyPr wrap="square" rtlCol="0">
+            <a:spAutoFit/>
+          </a:bodyPr>
+          <a:lstStyle/>
+          <a:p>
+            <a:r>
+              <a:rPr kumimoji="1" lang="en-US" altLang="zh-CN" sz="6000" dirty="0"/>
+              <a:t>s</a:t>
+            </a:r>
+            <a:endParaRPr kumimoji="1" lang="zh-CN" altLang="en-US" sz="6000" dirty="0"/>
+          </a:p>
+        </p:txBody>
+      </p:sp>
+      <p:sp>
+        <p:nvSpPr>
+          <p:cNvPr id="6" name="文本框 5">
+            <a:extLst>
+              <a:ext uri="{FF2B5EF4-FFF2-40B4-BE49-F238E27FC236}">
+                <a16:creationId xmlns:a16="http://schemas.microsoft.com/office/drawing/2014/main" id="{901FD769-825E-AC45-B471-011C6692DA70}"/>
+              </a:ext>
+            </a:extLst>
+          </p:cNvPr>
+          <p:cNvSpPr txBox="1"/>
+          <p:nvPr/>
+        </p:nvSpPr>
+        <p:spPr>
+          <a:xfrm>
+            <a:off x="7051964" y="1262970"/>
+            <a:ext cx="540533" cy="707886"/>
+          </a:xfrm>
+          <a:prstGeom prst="rect">
+            <a:avLst/>
+          </a:prstGeom>
+          <a:noFill/>
+        </p:spPr>
+        <p:txBody>
+          <a:bodyPr wrap="none" rtlCol="0">
+            <a:spAutoFit/>
+          </a:bodyPr>
+          <a:lstStyle/>
+          <a:p>
+            <a:r>
+              <a:rPr kumimoji="1" lang="en-US" altLang="zh-CN" sz="4000" dirty="0"/>
+              <a:t>H</a:t>
+            </a:r>
+            <a:endParaRPr kumimoji="1" lang="zh-CN" altLang="en-US" dirty="0"/>
+          </a:p>
+        </p:txBody>
+      </p:sp>
+      <p:sp>
+        <p:nvSpPr>
+          <p:cNvPr id="7" name="文本框 6">
+            <a:extLst>
+              <a:ext uri="{FF2B5EF4-FFF2-40B4-BE49-F238E27FC236}">
+                <a16:creationId xmlns:a16="http://schemas.microsoft.com/office/drawing/2014/main" id="{E04C4002-5E3D-8342-AB93-1D06E9F12545}"/>
+              </a:ext>
+            </a:extLst>
+          </p:cNvPr>
+          <p:cNvSpPr txBox="1"/>
+          <p:nvPr/>
+        </p:nvSpPr>
+        <p:spPr>
+          <a:xfrm>
+            <a:off x="5860038" y="6138333"/>
+            <a:ext cx="292068" cy="369332"/>
+          </a:xfrm>
+          <a:prstGeom prst="rect">
+            <a:avLst/>
+          </a:prstGeom>
+          <a:noFill/>
+        </p:spPr>
+        <p:txBody>
+          <a:bodyPr wrap="none" rtlCol="0">
+            <a:spAutoFit/>
+          </a:bodyPr>
+          <a:lstStyle/>
+          <a:p>
+            <a:r>
+              <a:rPr kumimoji="1" lang="en-US" altLang="zh-CN" dirty="0"/>
+              <a:t>L</a:t>
+            </a:r>
+            <a:endParaRPr kumimoji="1" lang="zh-CN" altLang="en-US" dirty="0"/>
+          </a:p>
+        </p:txBody>
+      </p:sp>
+      <p:cxnSp>
+        <p:nvCxnSpPr>
+          <p:cNvPr id="9" name="直线箭头连接符 8">
+            <a:extLst>
+              <a:ext uri="{FF2B5EF4-FFF2-40B4-BE49-F238E27FC236}">
+                <a16:creationId xmlns:a16="http://schemas.microsoft.com/office/drawing/2014/main" id="{DB21AD43-E0AF-8C46-80B7-5CEB828411EC}"/>
+              </a:ext>
+            </a:extLst>
+          </p:cNvPr>
+          <p:cNvCxnSpPr>
+            <a:cxnSpLocks/>
+          </p:cNvCxnSpPr>
+          <p:nvPr/>
+        </p:nvCxnSpPr>
+        <p:spPr>
+          <a:xfrm>
+            <a:off x="6096000" y="1616913"/>
+            <a:ext cx="955964" cy="59102"/>
+          </a:xfrm>
+          <a:prstGeom prst="straightConnector1">
+            <a:avLst/>
+          </a:prstGeom>
+          <a:ln>
+            <a:tailEnd type="triangle"/>
+          </a:ln>
+        </p:spPr>
+        <p:style>
+          <a:lnRef idx="1">
+            <a:schemeClr val="accent1"/>
+          </a:lnRef>
+          <a:fillRef idx="0">
+            <a:schemeClr val="accent1"/>
+          </a:fillRef>
+          <a:effectRef idx="0">
+            <a:schemeClr val="accent1"/>
+          </a:effectRef>
+          <a:fontRef idx="minor">
+            <a:schemeClr val="tx1"/>
+          </a:fontRef>
+        </p:style>
+      </p:cxnSp>
+      <p:cxnSp>
+        <p:nvCxnSpPr>
+          <p:cNvPr id="12" name="直线箭头连接符 11">
+            <a:extLst>
+              <a:ext uri="{FF2B5EF4-FFF2-40B4-BE49-F238E27FC236}">
+                <a16:creationId xmlns:a16="http://schemas.microsoft.com/office/drawing/2014/main" id="{9A39EBCE-1417-AE45-A8EF-50081FADB088}"/>
+              </a:ext>
+            </a:extLst>
+          </p:cNvPr>
+          <p:cNvCxnSpPr>
+            <a:cxnSpLocks/>
+            <a:endCxn id="7" idx="1"/>
+          </p:cNvCxnSpPr>
+          <p:nvPr/>
+        </p:nvCxnSpPr>
+        <p:spPr>
+          <a:xfrm>
+            <a:off x="2521527" y="5527964"/>
+            <a:ext cx="3338511" cy="795035"/>
+          </a:xfrm>
+          <a:prstGeom prst="straightConnector1">
+            <a:avLst/>
+          </a:prstGeom>
+          <a:ln>
+            <a:tailEnd type="triangle"/>
+          </a:ln>
+        </p:spPr>
+        <p:style>
+          <a:lnRef idx="1">
+            <a:schemeClr val="accent1"/>
+          </a:lnRef>
+          <a:fillRef idx="0">
+            <a:schemeClr val="accent1"/>
+          </a:fillRef>
+          <a:effectRef idx="0">
+            <a:schemeClr val="accent1"/>
+          </a:effectRef>
+          <a:fontRef idx="minor">
+            <a:schemeClr val="tx1"/>
+          </a:fontRef>
+        </p:style>
+      </p:cxnSp>
+      <p:cxnSp>
+        <p:nvCxnSpPr>
+          <p:cNvPr id="14" name="直线箭头连接符 13">
+            <a:extLst>
+              <a:ext uri="{FF2B5EF4-FFF2-40B4-BE49-F238E27FC236}">
+                <a16:creationId xmlns:a16="http://schemas.microsoft.com/office/drawing/2014/main" id="{69C69875-CCBD-F34C-9690-49A93E05852D}"/>
+              </a:ext>
+            </a:extLst>
+          </p:cNvPr>
+          <p:cNvCxnSpPr>
+            <a:cxnSpLocks/>
+            <a:endCxn id="7" idx="3"/>
+          </p:cNvCxnSpPr>
+          <p:nvPr/>
+        </p:nvCxnSpPr>
+        <p:spPr>
+          <a:xfrm flipH="1">
+            <a:off x="6152106" y="5527964"/>
+            <a:ext cx="3518368" cy="795035"/>
+          </a:xfrm>
+          <a:prstGeom prst="straightConnector1">
+            <a:avLst/>
+          </a:prstGeom>
+          <a:ln>
+            <a:tailEnd type="triangle"/>
+          </a:ln>
+        </p:spPr>
+        <p:style>
+          <a:lnRef idx="1">
+            <a:schemeClr val="accent1"/>
+          </a:lnRef>
+          <a:fillRef idx="0">
+            <a:schemeClr val="accent1"/>
+          </a:fillRef>
+          <a:effectRef idx="0">
+            <a:schemeClr val="accent1"/>
+          </a:effectRef>
+          <a:fontRef idx="minor">
+            <a:schemeClr val="tx1"/>
+          </a:fontRef>
+        </p:style>
+      </p:cxnSp>
+    </p:spTree>
+    <p:extLst>
+      <p:ext uri="{BB962C8B-B14F-4D97-AF65-F5344CB8AC3E}">
+        <p14:creationId xmlns:p14="http://schemas.microsoft.com/office/powerpoint/2010/main" val="3684727536"/>
       </p:ext>
     </p:extLst>
   </p:cSld>

--- a/paper/绘图.pptx
+++ b/paper/绘图.pptx
@@ -7,6 +7,7 @@
   <p:sldIdLst>
     <p:sldId id="256" r:id="rId2"/>
     <p:sldId id="257" r:id="rId3"/>
+    <p:sldId id="258" r:id="rId4"/>
   </p:sldIdLst>
   <p:sldSz cx="12192000" cy="6858000"/>
   <p:notesSz cx="6858000" cy="9144000"/>
@@ -153,6 +154,7 @@
           </a:p>
         </c:rich>
       </c:tx>
+      <c:layout/>
       <c:overlay val="0"/>
       <c:spPr>
         <a:noFill/>
@@ -454,6 +456,7 @@
     </c:plotArea>
     <c:legend>
       <c:legendPos val="b"/>
+      <c:layout/>
       <c:overlay val="0"/>
       <c:spPr>
         <a:noFill/>
@@ -485,6 +488,7 @@
     </c:legend>
     <c:plotVisOnly val="1"/>
     <c:dispBlanksAs val="zero"/>
+    <c:showDLblsOverMax val="0"/>
     <c:extLst>
       <c:ext xmlns:c16r3="http://schemas.microsoft.com/office/drawing/2017/03/chart" uri="{56B9EC1D-385E-4148-901F-78D8002777C0}">
         <c16r3:dataDisplayOptions16>
@@ -492,7 +496,6 @@
         </c16r3:dataDisplayOptions16>
       </c:ext>
     </c:extLst>
-    <c:showDLblsOverMax val="0"/>
   </c:chart>
   <c:spPr>
     <a:noFill/>
@@ -1251,7 +1254,7 @@
           <a:p>
             <a:fld id="{02CD9535-7419-4E69-94EF-32AE59517E23}" type="datetimeFigureOut">
               <a:rPr lang="zh-CN" altLang="en-US" smtClean="0"/>
-              <a:t>2020/1/13</a:t>
+              <a:t>2020/1/15</a:t>
             </a:fld>
             <a:endParaRPr lang="zh-CN" altLang="en-US"/>
           </a:p>
@@ -1419,7 +1422,7 @@
           <a:p>
             <a:fld id="{02CD9535-7419-4E69-94EF-32AE59517E23}" type="datetimeFigureOut">
               <a:rPr lang="zh-CN" altLang="en-US" smtClean="0"/>
-              <a:t>2020/1/13</a:t>
+              <a:t>2020/1/15</a:t>
             </a:fld>
             <a:endParaRPr lang="zh-CN" altLang="en-US"/>
           </a:p>
@@ -1597,7 +1600,7 @@
           <a:p>
             <a:fld id="{02CD9535-7419-4E69-94EF-32AE59517E23}" type="datetimeFigureOut">
               <a:rPr lang="zh-CN" altLang="en-US" smtClean="0"/>
-              <a:t>2020/1/13</a:t>
+              <a:t>2020/1/15</a:t>
             </a:fld>
             <a:endParaRPr lang="zh-CN" altLang="en-US"/>
           </a:p>
@@ -1765,7 +1768,7 @@
           <a:p>
             <a:fld id="{02CD9535-7419-4E69-94EF-32AE59517E23}" type="datetimeFigureOut">
               <a:rPr lang="zh-CN" altLang="en-US" smtClean="0"/>
-              <a:t>2020/1/13</a:t>
+              <a:t>2020/1/15</a:t>
             </a:fld>
             <a:endParaRPr lang="zh-CN" altLang="en-US"/>
           </a:p>
@@ -2010,7 +2013,7 @@
           <a:p>
             <a:fld id="{02CD9535-7419-4E69-94EF-32AE59517E23}" type="datetimeFigureOut">
               <a:rPr lang="zh-CN" altLang="en-US" smtClean="0"/>
-              <a:t>2020/1/13</a:t>
+              <a:t>2020/1/15</a:t>
             </a:fld>
             <a:endParaRPr lang="zh-CN" altLang="en-US"/>
           </a:p>
@@ -2239,7 +2242,7 @@
           <a:p>
             <a:fld id="{02CD9535-7419-4E69-94EF-32AE59517E23}" type="datetimeFigureOut">
               <a:rPr lang="zh-CN" altLang="en-US" smtClean="0"/>
-              <a:t>2020/1/13</a:t>
+              <a:t>2020/1/15</a:t>
             </a:fld>
             <a:endParaRPr lang="zh-CN" altLang="en-US"/>
           </a:p>
@@ -2603,7 +2606,7 @@
           <a:p>
             <a:fld id="{02CD9535-7419-4E69-94EF-32AE59517E23}" type="datetimeFigureOut">
               <a:rPr lang="zh-CN" altLang="en-US" smtClean="0"/>
-              <a:t>2020/1/13</a:t>
+              <a:t>2020/1/15</a:t>
             </a:fld>
             <a:endParaRPr lang="zh-CN" altLang="en-US"/>
           </a:p>
@@ -2720,7 +2723,7 @@
           <a:p>
             <a:fld id="{02CD9535-7419-4E69-94EF-32AE59517E23}" type="datetimeFigureOut">
               <a:rPr lang="zh-CN" altLang="en-US" smtClean="0"/>
-              <a:t>2020/1/13</a:t>
+              <a:t>2020/1/15</a:t>
             </a:fld>
             <a:endParaRPr lang="zh-CN" altLang="en-US"/>
           </a:p>
@@ -2815,7 +2818,7 @@
           <a:p>
             <a:fld id="{02CD9535-7419-4E69-94EF-32AE59517E23}" type="datetimeFigureOut">
               <a:rPr lang="zh-CN" altLang="en-US" smtClean="0"/>
-              <a:t>2020/1/13</a:t>
+              <a:t>2020/1/15</a:t>
             </a:fld>
             <a:endParaRPr lang="zh-CN" altLang="en-US"/>
           </a:p>
@@ -3090,7 +3093,7 @@
           <a:p>
             <a:fld id="{02CD9535-7419-4E69-94EF-32AE59517E23}" type="datetimeFigureOut">
               <a:rPr lang="zh-CN" altLang="en-US" smtClean="0"/>
-              <a:t>2020/1/13</a:t>
+              <a:t>2020/1/15</a:t>
             </a:fld>
             <a:endParaRPr lang="zh-CN" altLang="en-US"/>
           </a:p>
@@ -3342,7 +3345,7 @@
           <a:p>
             <a:fld id="{02CD9535-7419-4E69-94EF-32AE59517E23}" type="datetimeFigureOut">
               <a:rPr lang="zh-CN" altLang="en-US" smtClean="0"/>
-              <a:t>2020/1/13</a:t>
+              <a:t>2020/1/15</a:t>
             </a:fld>
             <a:endParaRPr lang="zh-CN" altLang="en-US"/>
           </a:p>
@@ -3553,7 +3556,7 @@
           <a:p>
             <a:fld id="{02CD9535-7419-4E69-94EF-32AE59517E23}" type="datetimeFigureOut">
               <a:rPr lang="zh-CN" altLang="en-US" smtClean="0"/>
-              <a:t>2020/1/13</a:t>
+              <a:t>2020/1/15</a:t>
             </a:fld>
             <a:endParaRPr lang="zh-CN" altLang="en-US"/>
           </a:p>
@@ -8578,6 +8581,80 @@
 </p:sld>
 </file>
 
+<file path=ppt/slides/slide3.xml><?xml version="1.0" encoding="utf-8"?>
+<p:sld xmlns:a="http://schemas.openxmlformats.org/drawingml/2006/main" xmlns:r="http://schemas.openxmlformats.org/officeDocument/2006/relationships" xmlns:p="http://schemas.openxmlformats.org/presentationml/2006/main">
+  <p:cSld>
+    <p:spTree>
+      <p:nvGrpSpPr>
+        <p:cNvPr id="1" name=""/>
+        <p:cNvGrpSpPr/>
+        <p:nvPr/>
+      </p:nvGrpSpPr>
+      <p:grpSpPr>
+        <a:xfrm>
+          <a:off x="0" y="0"/>
+          <a:ext cx="0" cy="0"/>
+          <a:chOff x="0" y="0"/>
+          <a:chExt cx="0" cy="0"/>
+        </a:xfrm>
+      </p:grpSpPr>
+      <p:pic>
+        <p:nvPicPr>
+          <p:cNvPr id="4" name="图片 3"/>
+          <p:cNvPicPr/>
+          <p:nvPr/>
+        </p:nvPicPr>
+        <p:blipFill>
+          <a:blip r:embed="rId2"/>
+          <a:stretch>
+            <a:fillRect/>
+          </a:stretch>
+        </p:blipFill>
+        <p:spPr>
+          <a:xfrm>
+            <a:off x="167745" y="123718"/>
+            <a:ext cx="6470121" cy="3406881"/>
+          </a:xfrm>
+          <a:prstGeom prst="rect">
+            <a:avLst/>
+          </a:prstGeom>
+        </p:spPr>
+      </p:pic>
+      <p:pic>
+        <p:nvPicPr>
+          <p:cNvPr id="5" name="图片 4"/>
+          <p:cNvPicPr/>
+          <p:nvPr/>
+        </p:nvPicPr>
+        <p:blipFill>
+          <a:blip r:embed="rId3"/>
+          <a:stretch>
+            <a:fillRect/>
+          </a:stretch>
+        </p:blipFill>
+        <p:spPr>
+          <a:xfrm>
+            <a:off x="5561012" y="3530599"/>
+            <a:ext cx="6554788" cy="3454401"/>
+          </a:xfrm>
+          <a:prstGeom prst="rect">
+            <a:avLst/>
+          </a:prstGeom>
+        </p:spPr>
+      </p:pic>
+    </p:spTree>
+    <p:extLst>
+      <p:ext uri="{BB962C8B-B14F-4D97-AF65-F5344CB8AC3E}">
+        <p14:creationId xmlns:p14="http://schemas.microsoft.com/office/powerpoint/2010/main" val="1385483869"/>
+      </p:ext>
+    </p:extLst>
+  </p:cSld>
+  <p:clrMapOvr>
+    <a:masterClrMapping/>
+  </p:clrMapOvr>
+</p:sld>
+</file>
+
 <file path=ppt/theme/theme1.xml><?xml version="1.0" encoding="utf-8"?>
 <a:theme xmlns:a="http://schemas.openxmlformats.org/drawingml/2006/main" name="Office 主题​​">
   <a:themeElements>
